--- a/notes.pptx
+++ b/notes.pptx
@@ -8,6 +8,7 @@
     <p:sldId id="256" r:id="rId2"/>
     <p:sldId id="257" r:id="rId3"/>
     <p:sldId id="258" r:id="rId4"/>
+    <p:sldId id="259" r:id="rId5"/>
   </p:sldIdLst>
   <p:sldSz cx="9144000" cy="6858000" type="screen4x3"/>
   <p:notesSz cx="6858000" cy="9144000"/>
@@ -106,6 +107,22 @@
       </a:defRPr>
     </a:lvl9pPr>
   </p:defaultTextStyle>
+  <p:extLst>
+    <p:ext uri="{EFAFB233-063F-42B5-8137-9DF3F51BA10A}">
+      <p15:sldGuideLst xmlns:p15="http://schemas.microsoft.com/office/powerpoint/2012/main">
+        <p15:guide id="1" orient="horz" pos="2160">
+          <p15:clr>
+            <a:srgbClr val="A4A3A4"/>
+          </p15:clr>
+        </p15:guide>
+        <p15:guide id="2" pos="2880">
+          <p15:clr>
+            <a:srgbClr val="A4A3A4"/>
+          </p15:clr>
+        </p15:guide>
+      </p15:sldGuideLst>
+    </p:ext>
+  </p:extLst>
 </p:presentation>
 </file>
 
@@ -290,7 +307,7 @@
           <a:p>
             <a:fld id="{290C1695-AEBA-4FE7-8B1B-BDFBB3BCC706}" type="datetimeFigureOut">
               <a:rPr lang="en-US" smtClean="0"/>
-              <a:t>10/26/2016</a:t>
+              <a:t>11/15/2016</a:t>
             </a:fld>
             <a:endParaRPr lang="en-US"/>
           </a:p>
@@ -460,7 +477,7 @@
           <a:p>
             <a:fld id="{290C1695-AEBA-4FE7-8B1B-BDFBB3BCC706}" type="datetimeFigureOut">
               <a:rPr lang="en-US" smtClean="0"/>
-              <a:t>10/26/2016</a:t>
+              <a:t>11/15/2016</a:t>
             </a:fld>
             <a:endParaRPr lang="en-US"/>
           </a:p>
@@ -640,7 +657,7 @@
           <a:p>
             <a:fld id="{290C1695-AEBA-4FE7-8B1B-BDFBB3BCC706}" type="datetimeFigureOut">
               <a:rPr lang="en-US" smtClean="0"/>
-              <a:t>10/26/2016</a:t>
+              <a:t>11/15/2016</a:t>
             </a:fld>
             <a:endParaRPr lang="en-US"/>
           </a:p>
@@ -810,7 +827,7 @@
           <a:p>
             <a:fld id="{290C1695-AEBA-4FE7-8B1B-BDFBB3BCC706}" type="datetimeFigureOut">
               <a:rPr lang="en-US" smtClean="0"/>
-              <a:t>10/26/2016</a:t>
+              <a:t>11/15/2016</a:t>
             </a:fld>
             <a:endParaRPr lang="en-US"/>
           </a:p>
@@ -1056,7 +1073,7 @@
           <a:p>
             <a:fld id="{290C1695-AEBA-4FE7-8B1B-BDFBB3BCC706}" type="datetimeFigureOut">
               <a:rPr lang="en-US" smtClean="0"/>
-              <a:t>10/26/2016</a:t>
+              <a:t>11/15/2016</a:t>
             </a:fld>
             <a:endParaRPr lang="en-US"/>
           </a:p>
@@ -1344,7 +1361,7 @@
           <a:p>
             <a:fld id="{290C1695-AEBA-4FE7-8B1B-BDFBB3BCC706}" type="datetimeFigureOut">
               <a:rPr lang="en-US" smtClean="0"/>
-              <a:t>10/26/2016</a:t>
+              <a:t>11/15/2016</a:t>
             </a:fld>
             <a:endParaRPr lang="en-US"/>
           </a:p>
@@ -1766,7 +1783,7 @@
           <a:p>
             <a:fld id="{290C1695-AEBA-4FE7-8B1B-BDFBB3BCC706}" type="datetimeFigureOut">
               <a:rPr lang="en-US" smtClean="0"/>
-              <a:t>10/26/2016</a:t>
+              <a:t>11/15/2016</a:t>
             </a:fld>
             <a:endParaRPr lang="en-US"/>
           </a:p>
@@ -1884,7 +1901,7 @@
           <a:p>
             <a:fld id="{290C1695-AEBA-4FE7-8B1B-BDFBB3BCC706}" type="datetimeFigureOut">
               <a:rPr lang="en-US" smtClean="0"/>
-              <a:t>10/26/2016</a:t>
+              <a:t>11/15/2016</a:t>
             </a:fld>
             <a:endParaRPr lang="en-US"/>
           </a:p>
@@ -1979,7 +1996,7 @@
           <a:p>
             <a:fld id="{290C1695-AEBA-4FE7-8B1B-BDFBB3BCC706}" type="datetimeFigureOut">
               <a:rPr lang="en-US" smtClean="0"/>
-              <a:t>10/26/2016</a:t>
+              <a:t>11/15/2016</a:t>
             </a:fld>
             <a:endParaRPr lang="en-US"/>
           </a:p>
@@ -2256,7 +2273,7 @@
           <a:p>
             <a:fld id="{290C1695-AEBA-4FE7-8B1B-BDFBB3BCC706}" type="datetimeFigureOut">
               <a:rPr lang="en-US" smtClean="0"/>
-              <a:t>10/26/2016</a:t>
+              <a:t>11/15/2016</a:t>
             </a:fld>
             <a:endParaRPr lang="en-US"/>
           </a:p>
@@ -2509,7 +2526,7 @@
           <a:p>
             <a:fld id="{290C1695-AEBA-4FE7-8B1B-BDFBB3BCC706}" type="datetimeFigureOut">
               <a:rPr lang="en-US" smtClean="0"/>
-              <a:t>10/26/2016</a:t>
+              <a:t>11/15/2016</a:t>
             </a:fld>
             <a:endParaRPr lang="en-US"/>
           </a:p>
@@ -2722,7 +2739,7 @@
           <a:p>
             <a:fld id="{290C1695-AEBA-4FE7-8B1B-BDFBB3BCC706}" type="datetimeFigureOut">
               <a:rPr lang="en-US" smtClean="0"/>
-              <a:t>10/26/2016</a:t>
+              <a:t>11/15/2016</a:t>
             </a:fld>
             <a:endParaRPr lang="en-US"/>
           </a:p>
@@ -3106,7 +3123,7 @@
         <p:spPr>
           <a:xfrm>
             <a:off x="416312" y="805114"/>
-            <a:ext cx="2133600" cy="5753654"/>
+            <a:ext cx="2133600" cy="2319086"/>
           </a:xfrm>
           <a:prstGeom prst="rect">
             <a:avLst/>
@@ -3179,7 +3196,7 @@
             <a:pPr algn="ctr"/>
             <a:r>
               <a:rPr lang="en-US" dirty="0" smtClean="0"/>
-              <a:t>Main Frame</a:t>
+              <a:t>Body</a:t>
             </a:r>
             <a:endParaRPr lang="en-US" dirty="0"/>
           </a:p>
@@ -3193,8 +3210,8 @@
         </p:nvSpPr>
         <p:spPr>
           <a:xfrm>
-            <a:off x="2665141" y="5486399"/>
-            <a:ext cx="6101575" cy="1072369"/>
+            <a:off x="416313" y="5486399"/>
+            <a:ext cx="8350404" cy="1072369"/>
           </a:xfrm>
           <a:prstGeom prst="rect">
             <a:avLst/>
@@ -3224,50 +3241,6 @@
             <a:r>
               <a:rPr lang="en-US" dirty="0" smtClean="0"/>
               <a:t>Messages</a:t>
-            </a:r>
-            <a:endParaRPr lang="en-US" dirty="0"/>
-          </a:p>
-        </p:txBody>
-      </p:sp>
-      <p:sp>
-        <p:nvSpPr>
-          <p:cNvPr id="14" name="Rectangle 13"/>
-          <p:cNvSpPr/>
-          <p:nvPr/>
-        </p:nvSpPr>
-        <p:spPr>
-          <a:xfrm>
-            <a:off x="2745726" y="901390"/>
-            <a:ext cx="5978027" cy="381000"/>
-          </a:xfrm>
-          <a:prstGeom prst="rect">
-            <a:avLst/>
-          </a:prstGeom>
-        </p:spPr>
-        <p:style>
-          <a:lnRef idx="2">
-            <a:schemeClr val="accent6">
-              <a:shade val="50000"/>
-            </a:schemeClr>
-          </a:lnRef>
-          <a:fillRef idx="1">
-            <a:schemeClr val="accent6"/>
-          </a:fillRef>
-          <a:effectRef idx="0">
-            <a:schemeClr val="accent6"/>
-          </a:effectRef>
-          <a:fontRef idx="minor">
-            <a:schemeClr val="lt1"/>
-          </a:fontRef>
-        </p:style>
-        <p:txBody>
-          <a:bodyPr rtlCol="0" anchor="ctr"/>
-          <a:lstStyle/>
-          <a:p>
-            <a:pPr algn="ctr"/>
-            <a:r>
-              <a:rPr lang="en-US" dirty="0" smtClean="0"/>
-              <a:t>Tab Ribbon</a:t>
             </a:r>
             <a:endParaRPr lang="en-US" dirty="0"/>
           </a:p>
@@ -3319,14 +3292,14 @@
       </p:sp>
       <p:sp>
         <p:nvSpPr>
-          <p:cNvPr id="19" name="Rectangle 18"/>
+          <p:cNvPr id="8" name="Rectangle 7"/>
           <p:cNvSpPr/>
           <p:nvPr/>
         </p:nvSpPr>
         <p:spPr>
           <a:xfrm>
-            <a:off x="2745726" y="1371600"/>
-            <a:ext cx="5978027" cy="3886199"/>
+            <a:off x="416312" y="3208200"/>
+            <a:ext cx="2133600" cy="2121153"/>
           </a:xfrm>
           <a:prstGeom prst="rect">
             <a:avLst/>
@@ -3334,15 +3307,15 @@
         </p:spPr>
         <p:style>
           <a:lnRef idx="2">
-            <a:schemeClr val="accent6">
+            <a:schemeClr val="accent1">
               <a:shade val="50000"/>
             </a:schemeClr>
           </a:lnRef>
           <a:fillRef idx="1">
-            <a:schemeClr val="accent6"/>
+            <a:schemeClr val="accent1"/>
           </a:fillRef>
           <a:effectRef idx="0">
-            <a:schemeClr val="accent6"/>
+            <a:schemeClr val="accent1"/>
           </a:effectRef>
           <a:fontRef idx="minor">
             <a:schemeClr val="lt1"/>
@@ -3355,7 +3328,7 @@
             <a:pPr algn="ctr"/>
             <a:r>
               <a:rPr lang="en-US" dirty="0" smtClean="0"/>
-              <a:t>Body</a:t>
+              <a:t>Attributes</a:t>
             </a:r>
             <a:endParaRPr lang="en-US" dirty="0"/>
           </a:p>
@@ -3400,7 +3373,7 @@
         <p:spPr>
           <a:xfrm>
             <a:off x="5576" y="0"/>
-            <a:ext cx="9138424" cy="6709529"/>
+            <a:ext cx="9138424" cy="5940088"/>
           </a:xfrm>
           <a:prstGeom prst="rect">
             <a:avLst/>
@@ -3435,7 +3408,7 @@
             </a:r>
             <a:r>
               <a:rPr lang="en-US" sz="1000" dirty="0" smtClean="0"/>
-              <a:t>	Container {Edit, Copy, Delete}</a:t>
+              <a:t>	Container {Edit, Delete}</a:t>
             </a:r>
           </a:p>
           <a:p>
@@ -3513,11 +3486,8 @@
             </a:r>
             <a:r>
               <a:rPr lang="en-US" sz="1000" dirty="0" smtClean="0"/>
-              <a:t>{Name, Perms, Allow, Deny}</a:t>
-            </a:r>
-          </a:p>
-          <a:p>
-            <a:endParaRPr lang="en-US" sz="1000" dirty="0" smtClean="0"/>
+              <a:t>{Name}</a:t>
+            </a:r>
           </a:p>
           <a:p>
             <a:r>
@@ -3536,7 +3506,21 @@
             </a:r>
             <a:r>
               <a:rPr lang="en-US" sz="1000" dirty="0" smtClean="0"/>
-              <a:t>	Task {Edit Attributes, Edit Body, Delete, Shallow Copy, Deep Copy, Run}</a:t>
+              <a:t>	Task {Edit Attributes, Edit Body, Delete, Copy, Run}</a:t>
+            </a:r>
+          </a:p>
+          <a:p>
+            <a:r>
+              <a:rPr lang="en-US" sz="1000" dirty="0" smtClean="0"/>
+              <a:t>			(</a:t>
+            </a:r>
+            <a:r>
+              <a:rPr lang="en-US" sz="1000" b="1" dirty="0" smtClean="0"/>
+              <a:t>-||-</a:t>
+            </a:r>
+            <a:r>
+              <a:rPr lang="en-US" sz="1000" dirty="0" smtClean="0"/>
+              <a:t>) Task Attributes  {Title}</a:t>
             </a:r>
           </a:p>
           <a:p>
@@ -3550,22 +3534,37 @@
             </a:r>
             <a:r>
               <a:rPr lang="en-US" sz="1000" b="1" dirty="0" smtClean="0"/>
-              <a:t>-||o-</a:t>
-            </a:r>
-            <a:r>
-              <a:rPr lang="en-US" sz="1000" dirty="0" smtClean="0"/>
-              <a:t>) Credential Link</a:t>
-            </a:r>
-            <a:endParaRPr lang="en-US" sz="1000" dirty="0"/>
-          </a:p>
-          <a:p>
-            <a:r>
-              <a:rPr lang="en-US" sz="1000" dirty="0"/>
-              <a:t>			</a:t>
-            </a:r>
-            <a:r>
-              <a:rPr lang="en-US" sz="1000" dirty="0" smtClean="0"/>
-              <a:t>(</a:t>
+              <a:t>-||-</a:t>
+            </a:r>
+            <a:r>
+              <a:rPr lang="en-US" sz="1000" dirty="0" smtClean="0"/>
+              <a:t>) Task Body </a:t>
+            </a:r>
+          </a:p>
+          <a:p>
+            <a:r>
+              <a:rPr lang="en-US" sz="1000" dirty="0" smtClean="0"/>
+              <a:t>	Procedures</a:t>
+            </a:r>
+          </a:p>
+          <a:p>
+            <a:r>
+              <a:rPr lang="en-US" sz="1000" dirty="0"/>
+              <a:t>	</a:t>
+            </a:r>
+            <a:r>
+              <a:rPr lang="en-US" sz="1000" dirty="0" smtClean="0"/>
+              <a:t>	Procedure {Edit, Copy, Delete, Run, Run {}}</a:t>
+            </a:r>
+          </a:p>
+          <a:p>
+            <a:r>
+              <a:rPr lang="en-US" sz="1000" dirty="0"/>
+              <a:t>	</a:t>
+            </a:r>
+            <a:r>
+              <a:rPr lang="en-US" sz="1000" dirty="0" smtClean="0"/>
+              <a:t>		(</a:t>
             </a:r>
             <a:r>
               <a:rPr lang="en-US" sz="1000" b="1" dirty="0" smtClean="0"/>
@@ -3581,17 +3580,17 @@
             </a:r>
             <a:r>
               <a:rPr lang="en-US" sz="1000" dirty="0" smtClean="0"/>
-              <a:t>Host Link</a:t>
-            </a:r>
-          </a:p>
-          <a:p>
-            <a:r>
-              <a:rPr lang="en-US" sz="1000" dirty="0"/>
-              <a:t>	</a:t>
-            </a:r>
-            <a:r>
-              <a:rPr lang="en-US" sz="1000" dirty="0" smtClean="0"/>
-              <a:t>		(</a:t>
+              <a:t>Task Link</a:t>
+            </a:r>
+          </a:p>
+          <a:p>
+            <a:r>
+              <a:rPr lang="en-US" sz="1000" dirty="0"/>
+              <a:t>			</a:t>
+            </a:r>
+            <a:r>
+              <a:rPr lang="en-US" sz="1000" dirty="0" smtClean="0"/>
+              <a:t>(</a:t>
             </a:r>
             <a:r>
               <a:rPr lang="en-US" sz="1000" b="1" dirty="0" smtClean="0"/>
@@ -3607,11 +3606,172 @@
             </a:r>
             <a:r>
               <a:rPr lang="en-US" sz="1000" dirty="0" smtClean="0"/>
+              <a:t>Procedure Link</a:t>
+            </a:r>
+          </a:p>
+          <a:p>
+            <a:r>
+              <a:rPr lang="en-US" sz="1000" dirty="0"/>
+              <a:t>			</a:t>
+            </a:r>
+            <a:r>
+              <a:rPr lang="en-US" sz="1000" dirty="0" smtClean="0"/>
+              <a:t>(</a:t>
+            </a:r>
+            <a:r>
+              <a:rPr lang="en-US" sz="1000" b="1" dirty="0" smtClean="0"/>
+              <a:t>-||</a:t>
+            </a:r>
+            <a:r>
+              <a:rPr lang="en-US" sz="1000" b="1" dirty="0"/>
+              <a:t>o&lt;-</a:t>
+            </a:r>
+            <a:r>
+              <a:rPr lang="en-US" sz="1000" dirty="0"/>
+              <a:t>) </a:t>
+            </a:r>
+            <a:r>
+              <a:rPr lang="en-US" sz="1000" dirty="0" smtClean="0"/>
               <a:t>RFC Link</a:t>
             </a:r>
-            <a:br>
-              <a:rPr lang="en-US" sz="1000" dirty="0" smtClean="0"/>
-            </a:br>
+          </a:p>
+          <a:p>
+            <a:r>
+              <a:rPr lang="en-US" sz="1000" dirty="0"/>
+              <a:t>	</a:t>
+            </a:r>
+            <a:r>
+              <a:rPr lang="en-US" sz="1000" dirty="0" smtClean="0"/>
+              <a:t>		</a:t>
+            </a:r>
+            <a:r>
+              <a:rPr lang="en-US" sz="1000" dirty="0"/>
+              <a:t>(</a:t>
+            </a:r>
+            <a:r>
+              <a:rPr lang="en-US" sz="1000" b="1" dirty="0"/>
+              <a:t>-||-</a:t>
+            </a:r>
+            <a:r>
+              <a:rPr lang="en-US" sz="1000" dirty="0"/>
+              <a:t>) </a:t>
+            </a:r>
+            <a:r>
+              <a:rPr lang="en-US" sz="1000" dirty="0" smtClean="0"/>
+              <a:t>Procedure </a:t>
+            </a:r>
+            <a:r>
+              <a:rPr lang="en-US" sz="1000" dirty="0"/>
+              <a:t>Attributes  </a:t>
+            </a:r>
+            <a:r>
+              <a:rPr lang="en-US" sz="1000" dirty="0" smtClean="0"/>
+              <a:t>{Name, Title, Description, Continue}</a:t>
+            </a:r>
+          </a:p>
+          <a:p>
+            <a:r>
+              <a:rPr lang="en-US" sz="1000" dirty="0"/>
+              <a:t>	</a:t>
+            </a:r>
+            <a:r>
+              <a:rPr lang="en-US" sz="1000" dirty="0" smtClean="0"/>
+              <a:t>Controllers</a:t>
+            </a:r>
+          </a:p>
+          <a:p>
+            <a:r>
+              <a:rPr lang="en-US" sz="1000" dirty="0"/>
+              <a:t>	</a:t>
+            </a:r>
+            <a:r>
+              <a:rPr lang="en-US" sz="1000" dirty="0" smtClean="0"/>
+              <a:t>	Controller </a:t>
+            </a:r>
+            <a:r>
+              <a:rPr lang="en-US" sz="1000" dirty="0"/>
+              <a:t>{</a:t>
+            </a:r>
+            <a:r>
+              <a:rPr lang="en-US" sz="1000" dirty="0" smtClean="0"/>
+              <a:t>Edit, </a:t>
+            </a:r>
+            <a:r>
+              <a:rPr lang="en-US" sz="1000" dirty="0"/>
+              <a:t>Copy, Delete, </a:t>
+            </a:r>
+            <a:r>
+              <a:rPr lang="en-US" sz="1000" dirty="0" smtClean="0"/>
+              <a:t>Run}</a:t>
+            </a:r>
+          </a:p>
+          <a:p>
+            <a:r>
+              <a:rPr lang="en-US" sz="1000" dirty="0" smtClean="0"/>
+              <a:t>			(</a:t>
+            </a:r>
+            <a:r>
+              <a:rPr lang="en-US" sz="1000" b="1" dirty="0" smtClean="0"/>
+              <a:t>-||o&lt;-</a:t>
+            </a:r>
+            <a:r>
+              <a:rPr lang="en-US" sz="1000" dirty="0" smtClean="0"/>
+              <a:t>) Task Link</a:t>
+            </a:r>
+          </a:p>
+          <a:p>
+            <a:r>
+              <a:rPr lang="en-US" sz="1000" dirty="0"/>
+              <a:t>	</a:t>
+            </a:r>
+            <a:r>
+              <a:rPr lang="en-US" sz="1000" dirty="0" smtClean="0"/>
+              <a:t>		(</a:t>
+            </a:r>
+            <a:r>
+              <a:rPr lang="en-US" sz="1000" b="1" dirty="0" smtClean="0"/>
+              <a:t>-||</a:t>
+            </a:r>
+            <a:r>
+              <a:rPr lang="en-US" sz="1000" b="1" dirty="0"/>
+              <a:t>o&lt;-</a:t>
+            </a:r>
+            <a:r>
+              <a:rPr lang="en-US" sz="1000" dirty="0"/>
+              <a:t>) </a:t>
+            </a:r>
+            <a:r>
+              <a:rPr lang="en-US" sz="1000" dirty="0" smtClean="0"/>
+              <a:t>Procedure Link</a:t>
+            </a:r>
+          </a:p>
+          <a:p>
+            <a:r>
+              <a:rPr lang="en-US" sz="1000" dirty="0"/>
+              <a:t>			</a:t>
+            </a:r>
+            <a:r>
+              <a:rPr lang="en-US" sz="1000" dirty="0" smtClean="0"/>
+              <a:t>(</a:t>
+            </a:r>
+            <a:r>
+              <a:rPr lang="en-US" sz="1000" b="1" dirty="0" smtClean="0"/>
+              <a:t>-||</a:t>
+            </a:r>
+            <a:r>
+              <a:rPr lang="en-US" sz="1000" b="1" dirty="0"/>
+              <a:t>o&lt;-</a:t>
+            </a:r>
+            <a:r>
+              <a:rPr lang="en-US" sz="1000" dirty="0"/>
+              <a:t>) </a:t>
+            </a:r>
+            <a:r>
+              <a:rPr lang="en-US" sz="1000" dirty="0" smtClean="0"/>
+              <a:t>Host Link</a:t>
+            </a:r>
+          </a:p>
+          <a:p>
             <a:r>
               <a:rPr lang="en-US" sz="1000" dirty="0" smtClean="0"/>
               <a:t>			(</a:t>
@@ -3622,13 +3782,202 @@
             </a:r>
             <a:r>
               <a:rPr lang="en-US" sz="1000" dirty="0" smtClean="0"/>
-              <a:t>) Task Attributes  {Title, Perms}</a:t>
-            </a:r>
-          </a:p>
-          <a:p>
-            <a:r>
-              <a:rPr lang="en-US" sz="1000" dirty="0"/>
-              <a:t>	</a:t>
+              <a:t>) Controller </a:t>
+            </a:r>
+            <a:r>
+              <a:rPr lang="en-US" sz="1000" dirty="0"/>
+              <a:t>Attributes  {</a:t>
+            </a:r>
+            <a:r>
+              <a:rPr lang="en-US" sz="1000" dirty="0" smtClean="0"/>
+              <a:t>Name}</a:t>
+            </a:r>
+          </a:p>
+          <a:p>
+            <a:r>
+              <a:rPr lang="en-US" sz="1000" dirty="0" smtClean="0"/>
+              <a:t>	Hosts</a:t>
+            </a:r>
+          </a:p>
+          <a:p>
+            <a:r>
+              <a:rPr lang="en-US" sz="1000" dirty="0"/>
+              <a:t>	</a:t>
+            </a:r>
+            <a:r>
+              <a:rPr lang="en-US" sz="1000" dirty="0" smtClean="0"/>
+              <a:t>	Host {Edit, Copy, Delete, Console}</a:t>
+            </a:r>
+          </a:p>
+          <a:p>
+            <a:r>
+              <a:rPr lang="en-US" sz="1000" dirty="0"/>
+              <a:t>	</a:t>
+            </a:r>
+            <a:r>
+              <a:rPr lang="en-US" sz="1000" dirty="0" smtClean="0"/>
+              <a:t>		</a:t>
+            </a:r>
+            <a:r>
+              <a:rPr lang="en-US" sz="1000" dirty="0"/>
+              <a:t>(</a:t>
+            </a:r>
+            <a:r>
+              <a:rPr lang="en-US" sz="1000" b="1" dirty="0"/>
+              <a:t>-||-</a:t>
+            </a:r>
+            <a:r>
+              <a:rPr lang="en-US" sz="1000" dirty="0"/>
+              <a:t>) </a:t>
+            </a:r>
+            <a:r>
+              <a:rPr lang="en-US" sz="1000" dirty="0" smtClean="0"/>
+              <a:t>Host </a:t>
+            </a:r>
+            <a:r>
+              <a:rPr lang="en-US" sz="1000" dirty="0"/>
+              <a:t>Attributes  {</a:t>
+            </a:r>
+            <a:r>
+              <a:rPr lang="en-US" sz="1000" dirty="0" smtClean="0"/>
+              <a:t>Name, Host, Protocol}</a:t>
+            </a:r>
+          </a:p>
+          <a:p>
+            <a:r>
+              <a:rPr lang="en-US" sz="1000" dirty="0"/>
+              <a:t>	</a:t>
+            </a:r>
+            <a:r>
+              <a:rPr lang="en-US" sz="1000" dirty="0" smtClean="0"/>
+              <a:t>RFCs</a:t>
+            </a:r>
+          </a:p>
+          <a:p>
+            <a:r>
+              <a:rPr lang="en-US" sz="1000" dirty="0"/>
+              <a:t>	</a:t>
+            </a:r>
+            <a:r>
+              <a:rPr lang="en-US" sz="1000" dirty="0" smtClean="0"/>
+              <a:t>	RFC {Edit, Copy, Delete}</a:t>
+            </a:r>
+          </a:p>
+          <a:p>
+            <a:r>
+              <a:rPr lang="en-US" sz="1000" dirty="0"/>
+              <a:t>	</a:t>
+            </a:r>
+            <a:r>
+              <a:rPr lang="en-US" sz="1000" dirty="0" smtClean="0"/>
+              <a:t>		</a:t>
+            </a:r>
+            <a:r>
+              <a:rPr lang="en-US" sz="1000" dirty="0"/>
+              <a:t>(</a:t>
+            </a:r>
+            <a:r>
+              <a:rPr lang="en-US" sz="1000" b="1" dirty="0"/>
+              <a:t>-||-</a:t>
+            </a:r>
+            <a:r>
+              <a:rPr lang="en-US" sz="1000" dirty="0"/>
+              <a:t>) </a:t>
+            </a:r>
+            <a:r>
+              <a:rPr lang="en-US" sz="1000" dirty="0" smtClean="0"/>
+              <a:t>RFC </a:t>
+            </a:r>
+            <a:r>
+              <a:rPr lang="en-US" sz="1000" dirty="0"/>
+              <a:t>Attributes  </a:t>
+            </a:r>
+            <a:r>
+              <a:rPr lang="en-US" sz="1000" dirty="0" smtClean="0"/>
+              <a:t>{Title, Description, POC Name, POC Email, POC Phone, RFC Number}</a:t>
+            </a:r>
+            <a:r>
+              <a:rPr lang="en-US" sz="1000" dirty="0"/>
+              <a:t>	</a:t>
+            </a:r>
+            <a:r>
+              <a:rPr lang="en-US" sz="1000" dirty="0" smtClean="0"/>
+              <a:t>	Users</a:t>
+            </a:r>
+          </a:p>
+          <a:p>
+            <a:r>
+              <a:rPr lang="en-US" sz="1000" dirty="0"/>
+              <a:t>	</a:t>
+            </a:r>
+            <a:r>
+              <a:rPr lang="en-US" sz="1000" dirty="0" smtClean="0"/>
+              <a:t>	User {Edit, Copy, Delete}</a:t>
+            </a:r>
+          </a:p>
+          <a:p>
+            <a:r>
+              <a:rPr lang="en-US" sz="1000" dirty="0"/>
+              <a:t>	</a:t>
+            </a:r>
+            <a:r>
+              <a:rPr lang="en-US" sz="1000" dirty="0" smtClean="0"/>
+              <a:t>		</a:t>
+            </a:r>
+            <a:r>
+              <a:rPr lang="en-US" sz="1000" dirty="0"/>
+              <a:t>(</a:t>
+            </a:r>
+            <a:r>
+              <a:rPr lang="en-US" sz="1000" b="1" dirty="0"/>
+              <a:t>-||-</a:t>
+            </a:r>
+            <a:r>
+              <a:rPr lang="en-US" sz="1000" dirty="0"/>
+              <a:t>) </a:t>
+            </a:r>
+            <a:r>
+              <a:rPr lang="en-US" sz="1000" dirty="0" smtClean="0"/>
+              <a:t>User </a:t>
+            </a:r>
+            <a:r>
+              <a:rPr lang="en-US" sz="1000" dirty="0"/>
+              <a:t>Attributes  </a:t>
+            </a:r>
+            <a:r>
+              <a:rPr lang="en-US" sz="1000" dirty="0" smtClean="0"/>
+              <a:t>{Name, Email, Phone, Password}</a:t>
+            </a:r>
+          </a:p>
+          <a:p>
+            <a:r>
+              <a:rPr lang="en-US" sz="1000" dirty="0"/>
+              <a:t>	</a:t>
+            </a:r>
+            <a:r>
+              <a:rPr lang="en-US" sz="1000" dirty="0" smtClean="0"/>
+              <a:t>		Credentials</a:t>
+            </a:r>
+            <a:endParaRPr lang="en-US" sz="1000" dirty="0"/>
+          </a:p>
+          <a:p>
+            <a:r>
+              <a:rPr lang="en-US" sz="1000" dirty="0"/>
+              <a:t>		</a:t>
+            </a:r>
+            <a:r>
+              <a:rPr lang="en-US" sz="1000" dirty="0" smtClean="0"/>
+              <a:t>		Credential </a:t>
+            </a:r>
+            <a:r>
+              <a:rPr lang="en-US" sz="1000" dirty="0"/>
+              <a:t>{Edit, Copy, Delete}</a:t>
+            </a:r>
+          </a:p>
+          <a:p>
+            <a:r>
+              <a:rPr lang="en-US" sz="1000" dirty="0"/>
+              <a:t>			</a:t>
             </a:r>
             <a:r>
               <a:rPr lang="en-US" sz="1000" dirty="0" smtClean="0"/>
@@ -3640,167 +3989,33 @@
             </a:r>
             <a:r>
               <a:rPr lang="en-US" sz="1000" dirty="0" smtClean="0"/>
-              <a:t>) Task Body </a:t>
-            </a:r>
-          </a:p>
-          <a:p>
-            <a:r>
-              <a:rPr lang="en-US" sz="1000" dirty="0" smtClean="0"/>
-              <a:t>	Procedures</a:t>
-            </a:r>
-          </a:p>
-          <a:p>
-            <a:r>
-              <a:rPr lang="en-US" sz="1000" dirty="0"/>
-              <a:t>	</a:t>
-            </a:r>
-            <a:r>
-              <a:rPr lang="en-US" sz="1000" dirty="0" smtClean="0"/>
-              <a:t>	Procedure {Edit, Copy, Delete, Run, Run {}}</a:t>
-            </a:r>
-          </a:p>
-          <a:p>
-            <a:r>
-              <a:rPr lang="en-US" sz="1000" dirty="0"/>
-              <a:t>	</a:t>
-            </a:r>
-            <a:r>
-              <a:rPr lang="en-US" sz="1000" dirty="0" smtClean="0"/>
-              <a:t>		(</a:t>
-            </a:r>
-            <a:r>
-              <a:rPr lang="en-US" sz="1000" b="1" dirty="0" smtClean="0"/>
-              <a:t>-||</a:t>
-            </a:r>
-            <a:r>
-              <a:rPr lang="en-US" sz="1000" b="1" dirty="0"/>
-              <a:t>o&lt;-</a:t>
-            </a:r>
-            <a:r>
-              <a:rPr lang="en-US" sz="1000" dirty="0"/>
               <a:t>) </a:t>
             </a:r>
             <a:r>
-              <a:rPr lang="en-US" sz="1000" dirty="0" smtClean="0"/>
-              <a:t>Task Link</a:t>
-            </a:r>
-          </a:p>
-          <a:p>
-            <a:r>
-              <a:rPr lang="en-US" sz="1000" dirty="0"/>
-              <a:t>			</a:t>
-            </a:r>
-            <a:r>
-              <a:rPr lang="en-US" sz="1000" dirty="0" smtClean="0"/>
-              <a:t>(</a:t>
-            </a:r>
-            <a:r>
-              <a:rPr lang="en-US" sz="1000" b="1" dirty="0" smtClean="0"/>
-              <a:t>-||</a:t>
-            </a:r>
-            <a:r>
-              <a:rPr lang="en-US" sz="1000" b="1" dirty="0"/>
-              <a:t>o&lt;-</a:t>
-            </a:r>
-            <a:r>
-              <a:rPr lang="en-US" sz="1000" dirty="0"/>
-              <a:t>) </a:t>
-            </a:r>
-            <a:r>
-              <a:rPr lang="en-US" sz="1000" dirty="0" smtClean="0"/>
-              <a:t>Procedure Link</a:t>
-            </a:r>
-          </a:p>
-          <a:p>
-            <a:r>
-              <a:rPr lang="en-US" sz="1000" dirty="0"/>
-              <a:t>			</a:t>
-            </a:r>
-            <a:r>
-              <a:rPr lang="en-US" sz="1000" dirty="0" smtClean="0"/>
-              <a:t>(</a:t>
-            </a:r>
-            <a:r>
-              <a:rPr lang="en-US" sz="1000" b="1" dirty="0" smtClean="0"/>
-              <a:t>-||</a:t>
-            </a:r>
-            <a:r>
-              <a:rPr lang="en-US" sz="1000" b="1" dirty="0"/>
-              <a:t>o&lt;-</a:t>
-            </a:r>
-            <a:r>
-              <a:rPr lang="en-US" sz="1000" dirty="0"/>
-              <a:t>) </a:t>
-            </a:r>
-            <a:r>
-              <a:rPr lang="en-US" sz="1000" dirty="0" smtClean="0"/>
-              <a:t>RFC Link</a:t>
-            </a:r>
-          </a:p>
-          <a:p>
-            <a:r>
-              <a:rPr lang="en-US" sz="1000" dirty="0"/>
-              <a:t>	</a:t>
-            </a:r>
-            <a:r>
-              <a:rPr lang="en-US" sz="1000" dirty="0" smtClean="0"/>
-              <a:t>		(</a:t>
-            </a:r>
-            <a:r>
-              <a:rPr lang="en-US" sz="1000" b="1" dirty="0" smtClean="0"/>
-              <a:t>-||</a:t>
-            </a:r>
-            <a:r>
-              <a:rPr lang="en-US" sz="1000" b="1" dirty="0"/>
-              <a:t>o-</a:t>
-            </a:r>
-            <a:r>
-              <a:rPr lang="en-US" sz="1000" dirty="0"/>
-              <a:t>) </a:t>
-            </a:r>
-            <a:r>
-              <a:rPr lang="en-US" sz="1000" dirty="0" smtClean="0"/>
-              <a:t>Credential Link</a:t>
-            </a:r>
-          </a:p>
-          <a:p>
-            <a:r>
-              <a:rPr lang="en-US" sz="1000" dirty="0"/>
-              <a:t>	</a:t>
-            </a:r>
-            <a:r>
-              <a:rPr lang="en-US" sz="1000" dirty="0" smtClean="0"/>
-              <a:t>		(</a:t>
-            </a:r>
-            <a:r>
-              <a:rPr lang="en-US" sz="1000" b="1" dirty="0" smtClean="0"/>
-              <a:t>-||</a:t>
-            </a:r>
-            <a:r>
-              <a:rPr lang="en-US" sz="1000" b="1" dirty="0"/>
-              <a:t>o&lt;-</a:t>
-            </a:r>
-            <a:r>
-              <a:rPr lang="en-US" sz="1000" dirty="0"/>
-              <a:t>) </a:t>
-            </a:r>
-            <a:r>
-              <a:rPr lang="en-US" sz="1000" dirty="0" smtClean="0"/>
-              <a:t>Host Link</a:t>
-            </a:r>
-          </a:p>
-          <a:p>
-            <a:r>
-              <a:rPr lang="en-US" sz="1000" dirty="0"/>
-              <a:t>	</a:t>
-            </a:r>
-            <a:r>
-              <a:rPr lang="en-US" sz="1000" dirty="0" smtClean="0"/>
-              <a:t>		</a:t>
-            </a:r>
-            <a:r>
-              <a:rPr lang="en-US" sz="1000" dirty="0"/>
-              <a:t>(</a:t>
+              <a:rPr lang="en-US" sz="1000" dirty="0"/>
+              <a:t>Credential Attributes  {Name, Username, Domain, Password, SSH Key</a:t>
+            </a:r>
+            <a:r>
+              <a:rPr lang="en-US" sz="1000" dirty="0" smtClean="0"/>
+              <a:t>}</a:t>
+            </a:r>
+          </a:p>
+          <a:p>
+            <a:r>
+              <a:rPr lang="en-US" sz="1000" dirty="0"/>
+              <a:t>	Statuses</a:t>
+            </a:r>
+          </a:p>
+          <a:p>
+            <a:r>
+              <a:rPr lang="en-US" sz="1000" dirty="0"/>
+              <a:t>		Status {Edit, Copy, Delete}</a:t>
+            </a:r>
+          </a:p>
+          <a:p>
+            <a:r>
+              <a:rPr lang="en-US" sz="1000" dirty="0"/>
+              <a:t>			(</a:t>
             </a:r>
             <a:r>
               <a:rPr lang="en-US" sz="1000" b="1" dirty="0"/>
@@ -3808,472 +4023,11 @@
             </a:r>
             <a:r>
               <a:rPr lang="en-US" sz="1000" dirty="0"/>
-              <a:t>) </a:t>
-            </a:r>
-            <a:r>
-              <a:rPr lang="en-US" sz="1000" dirty="0" smtClean="0"/>
-              <a:t>Procedure </a:t>
-            </a:r>
-            <a:r>
-              <a:rPr lang="en-US" sz="1000" dirty="0"/>
-              <a:t>Attributes  </a:t>
-            </a:r>
-            <a:r>
-              <a:rPr lang="en-US" sz="1000" dirty="0" smtClean="0"/>
-              <a:t>{Name, Title, Description, Continue, Perms}</a:t>
-            </a:r>
-          </a:p>
-          <a:p>
-            <a:r>
-              <a:rPr lang="en-US" sz="1000" dirty="0"/>
-              <a:t>	</a:t>
-            </a:r>
-            <a:r>
-              <a:rPr lang="en-US" sz="1000" dirty="0" smtClean="0"/>
-              <a:t>Controllers</a:t>
-            </a:r>
-          </a:p>
-          <a:p>
-            <a:r>
-              <a:rPr lang="en-US" sz="1000" dirty="0"/>
-              <a:t>	</a:t>
-            </a:r>
-            <a:r>
-              <a:rPr lang="en-US" sz="1000" dirty="0" smtClean="0"/>
-              <a:t>	Controller </a:t>
-            </a:r>
-            <a:r>
-              <a:rPr lang="en-US" sz="1000" dirty="0"/>
-              <a:t>{</a:t>
-            </a:r>
-            <a:r>
-              <a:rPr lang="en-US" sz="1000" dirty="0" smtClean="0"/>
-              <a:t>Edit, </a:t>
-            </a:r>
-            <a:r>
-              <a:rPr lang="en-US" sz="1000" dirty="0"/>
-              <a:t>Copy, Delete, </a:t>
-            </a:r>
-            <a:r>
-              <a:rPr lang="en-US" sz="1000" dirty="0" smtClean="0"/>
-              <a:t>Run}</a:t>
-            </a:r>
-          </a:p>
-          <a:p>
-            <a:r>
-              <a:rPr lang="en-US" sz="1000" dirty="0"/>
-              <a:t>	</a:t>
-            </a:r>
-            <a:r>
-              <a:rPr lang="en-US" sz="1000" dirty="0" smtClean="0"/>
-              <a:t>		(</a:t>
-            </a:r>
-            <a:r>
-              <a:rPr lang="en-US" sz="1000" b="1" dirty="0" smtClean="0"/>
-              <a:t>-||</a:t>
-            </a:r>
-            <a:r>
-              <a:rPr lang="en-US" sz="1000" b="1" dirty="0"/>
-              <a:t>o&lt;-</a:t>
-            </a:r>
-            <a:r>
-              <a:rPr lang="en-US" sz="1000" dirty="0"/>
-              <a:t>) </a:t>
-            </a:r>
-            <a:r>
-              <a:rPr lang="en-US" sz="1000" dirty="0" smtClean="0"/>
-              <a:t>Task Link</a:t>
-            </a:r>
-          </a:p>
-          <a:p>
-            <a:r>
-              <a:rPr lang="en-US" sz="1000" dirty="0"/>
-              <a:t>	</a:t>
-            </a:r>
-            <a:r>
-              <a:rPr lang="en-US" sz="1000" dirty="0" smtClean="0"/>
-              <a:t>		(</a:t>
-            </a:r>
-            <a:r>
-              <a:rPr lang="en-US" sz="1000" b="1" dirty="0" smtClean="0"/>
-              <a:t>-||</a:t>
-            </a:r>
-            <a:r>
-              <a:rPr lang="en-US" sz="1000" b="1" dirty="0"/>
-              <a:t>o&lt;-</a:t>
-            </a:r>
-            <a:r>
-              <a:rPr lang="en-US" sz="1000" dirty="0"/>
-              <a:t>) </a:t>
-            </a:r>
-            <a:r>
-              <a:rPr lang="en-US" sz="1000" dirty="0" smtClean="0"/>
-              <a:t>Procedure Link</a:t>
-            </a:r>
-          </a:p>
-          <a:p>
-            <a:r>
-              <a:rPr lang="en-US" sz="1000" dirty="0"/>
-              <a:t>			</a:t>
-            </a:r>
-            <a:r>
-              <a:rPr lang="en-US" sz="1000" dirty="0" smtClean="0"/>
-              <a:t>(</a:t>
-            </a:r>
-            <a:r>
-              <a:rPr lang="en-US" sz="1000" b="1" dirty="0" smtClean="0"/>
-              <a:t>-||</a:t>
-            </a:r>
-            <a:r>
-              <a:rPr lang="en-US" sz="1000" b="1" dirty="0"/>
-              <a:t>o&lt;-</a:t>
-            </a:r>
-            <a:r>
-              <a:rPr lang="en-US" sz="1000" dirty="0"/>
-              <a:t>) </a:t>
-            </a:r>
-            <a:r>
-              <a:rPr lang="en-US" sz="1000" dirty="0" smtClean="0"/>
-              <a:t>Host Link</a:t>
-            </a:r>
-          </a:p>
-          <a:p>
-            <a:r>
-              <a:rPr lang="en-US" sz="1000" dirty="0"/>
-              <a:t>	</a:t>
-            </a:r>
-            <a:r>
-              <a:rPr lang="en-US" sz="1000" dirty="0" smtClean="0"/>
-              <a:t>		(</a:t>
-            </a:r>
-            <a:r>
-              <a:rPr lang="en-US" sz="1000" b="1" dirty="0" smtClean="0"/>
-              <a:t>-||</a:t>
-            </a:r>
-            <a:r>
-              <a:rPr lang="en-US" sz="1000" b="1" dirty="0"/>
-              <a:t>o&lt;-</a:t>
-            </a:r>
-            <a:r>
-              <a:rPr lang="en-US" sz="1000" dirty="0"/>
-              <a:t>) </a:t>
-            </a:r>
-            <a:r>
-              <a:rPr lang="en-US" sz="1000" dirty="0" smtClean="0"/>
-              <a:t>RFC Link</a:t>
-            </a:r>
-          </a:p>
-          <a:p>
-            <a:r>
-              <a:rPr lang="en-US" sz="1000" dirty="0"/>
-              <a:t>	</a:t>
-            </a:r>
-            <a:r>
-              <a:rPr lang="en-US" sz="1000" dirty="0" smtClean="0"/>
-              <a:t>		(</a:t>
-            </a:r>
-            <a:r>
-              <a:rPr lang="en-US" sz="1000" b="1" dirty="0" smtClean="0"/>
-              <a:t>-||</a:t>
-            </a:r>
-            <a:r>
-              <a:rPr lang="en-US" sz="1000" b="1" dirty="0"/>
-              <a:t>o-</a:t>
-            </a:r>
-            <a:r>
-              <a:rPr lang="en-US" sz="1000" dirty="0"/>
-              <a:t>) </a:t>
-            </a:r>
-            <a:r>
-              <a:rPr lang="en-US" sz="1000" dirty="0" smtClean="0"/>
-              <a:t>Credential Link</a:t>
-            </a:r>
-          </a:p>
-          <a:p>
-            <a:r>
-              <a:rPr lang="en-US" sz="1000" dirty="0" smtClean="0"/>
-              <a:t>			(</a:t>
-            </a:r>
-            <a:r>
-              <a:rPr lang="en-US" sz="1000" b="1" dirty="0" smtClean="0"/>
-              <a:t>-||-</a:t>
-            </a:r>
-            <a:r>
-              <a:rPr lang="en-US" sz="1000" dirty="0" smtClean="0"/>
-              <a:t>) Controller </a:t>
-            </a:r>
-            <a:r>
-              <a:rPr lang="en-US" sz="1000" dirty="0"/>
-              <a:t>Attributes  {</a:t>
-            </a:r>
-            <a:r>
-              <a:rPr lang="en-US" sz="1000" dirty="0" smtClean="0"/>
-              <a:t>Name, </a:t>
-            </a:r>
-            <a:r>
-              <a:rPr lang="en-US" sz="1000" dirty="0"/>
-              <a:t>Perms</a:t>
-            </a:r>
-            <a:r>
-              <a:rPr lang="en-US" sz="1000" dirty="0" smtClean="0"/>
-              <a:t>}</a:t>
-            </a:r>
-          </a:p>
-          <a:p>
-            <a:r>
-              <a:rPr lang="en-US" sz="1000" dirty="0" smtClean="0"/>
-              <a:t>	Hosts</a:t>
-            </a:r>
-          </a:p>
-          <a:p>
-            <a:r>
-              <a:rPr lang="en-US" sz="1000" dirty="0"/>
-              <a:t>	</a:t>
-            </a:r>
-            <a:r>
-              <a:rPr lang="en-US" sz="1000" dirty="0" smtClean="0"/>
-              <a:t>	Host {Edit, Copy, Delete, Console}</a:t>
-            </a:r>
-          </a:p>
-          <a:p>
-            <a:r>
-              <a:rPr lang="en-US" sz="1000" dirty="0"/>
-              <a:t>	</a:t>
-            </a:r>
-            <a:r>
-              <a:rPr lang="en-US" sz="1000" dirty="0" smtClean="0"/>
-              <a:t>		(</a:t>
-            </a:r>
-            <a:r>
-              <a:rPr lang="en-US" sz="1000" b="1" dirty="0" smtClean="0"/>
-              <a:t>-||</a:t>
-            </a:r>
-            <a:r>
-              <a:rPr lang="en-US" sz="1000" b="1" dirty="0"/>
-              <a:t>o&lt;-</a:t>
-            </a:r>
-            <a:r>
-              <a:rPr lang="en-US" sz="1000" dirty="0"/>
-              <a:t>) </a:t>
-            </a:r>
-            <a:r>
-              <a:rPr lang="en-US" sz="1000" dirty="0" smtClean="0"/>
-              <a:t>Agent Link</a:t>
-            </a:r>
-          </a:p>
-          <a:p>
-            <a:r>
-              <a:rPr lang="en-US" sz="1000" dirty="0"/>
-              <a:t>	</a:t>
-            </a:r>
-            <a:r>
-              <a:rPr lang="en-US" sz="1000" dirty="0" smtClean="0"/>
-              <a:t>		</a:t>
-            </a:r>
-            <a:r>
-              <a:rPr lang="en-US" sz="1000" dirty="0"/>
-              <a:t>(</a:t>
-            </a:r>
-            <a:r>
-              <a:rPr lang="en-US" sz="1000" b="1" dirty="0"/>
-              <a:t>-||-</a:t>
-            </a:r>
-            <a:r>
-              <a:rPr lang="en-US" sz="1000" dirty="0"/>
-              <a:t>) </a:t>
-            </a:r>
-            <a:r>
-              <a:rPr lang="en-US" sz="1000" dirty="0" smtClean="0"/>
-              <a:t>Host </a:t>
-            </a:r>
-            <a:r>
-              <a:rPr lang="en-US" sz="1000" dirty="0"/>
-              <a:t>Attributes  {Name, </a:t>
-            </a:r>
-            <a:r>
-              <a:rPr lang="en-US" sz="1000" dirty="0" smtClean="0"/>
-              <a:t>Perms, Host, Protocol}</a:t>
-            </a:r>
-          </a:p>
-          <a:p>
-            <a:r>
-              <a:rPr lang="en-US" sz="1000" dirty="0" smtClean="0"/>
-              <a:t>			(</a:t>
-            </a:r>
-            <a:r>
-              <a:rPr lang="en-US" sz="1000" b="1" dirty="0" smtClean="0"/>
-              <a:t>-||</a:t>
-            </a:r>
-            <a:r>
-              <a:rPr lang="en-US" sz="1000" b="1" dirty="0"/>
-              <a:t>o-</a:t>
-            </a:r>
-            <a:r>
-              <a:rPr lang="en-US" sz="1000" dirty="0"/>
-              <a:t>) Credential </a:t>
-            </a:r>
-            <a:r>
-              <a:rPr lang="en-US" sz="1000" dirty="0" smtClean="0"/>
-              <a:t>Link</a:t>
-            </a:r>
-          </a:p>
-          <a:p>
-            <a:r>
-              <a:rPr lang="en-US" sz="1000" dirty="0"/>
-              <a:t>	</a:t>
-            </a:r>
-            <a:r>
-              <a:rPr lang="en-US" sz="1000" dirty="0" smtClean="0"/>
-              <a:t>RFCs</a:t>
-            </a:r>
-          </a:p>
-          <a:p>
-            <a:r>
-              <a:rPr lang="en-US" sz="1000" dirty="0"/>
-              <a:t>	</a:t>
-            </a:r>
-            <a:r>
-              <a:rPr lang="en-US" sz="1000" dirty="0" smtClean="0"/>
-              <a:t>	RFC {Edit, Copy, Delete}</a:t>
-            </a:r>
-          </a:p>
-          <a:p>
-            <a:r>
-              <a:rPr lang="en-US" sz="1000" dirty="0"/>
-              <a:t>	</a:t>
-            </a:r>
-            <a:r>
-              <a:rPr lang="en-US" sz="1000" dirty="0" smtClean="0"/>
-              <a:t>		</a:t>
-            </a:r>
-            <a:r>
-              <a:rPr lang="en-US" sz="1000" dirty="0"/>
-              <a:t>(</a:t>
-            </a:r>
-            <a:r>
-              <a:rPr lang="en-US" sz="1000" b="1" dirty="0"/>
-              <a:t>-||-</a:t>
-            </a:r>
-            <a:r>
-              <a:rPr lang="en-US" sz="1000" dirty="0"/>
-              <a:t>) </a:t>
-            </a:r>
-            <a:r>
-              <a:rPr lang="en-US" sz="1000" dirty="0" smtClean="0"/>
-              <a:t>RFC </a:t>
-            </a:r>
-            <a:r>
-              <a:rPr lang="en-US" sz="1000" dirty="0"/>
-              <a:t>Attributes  </a:t>
-            </a:r>
-            <a:r>
-              <a:rPr lang="en-US" sz="1000" dirty="0" smtClean="0"/>
-              <a:t>{Title, Description, POC Name, POC Email, POC Phone, RFC Number}</a:t>
-            </a:r>
-            <a:r>
-              <a:rPr lang="en-US" sz="1000" dirty="0"/>
-              <a:t>	</a:t>
-            </a:r>
-            <a:r>
-              <a:rPr lang="en-US" sz="1000" dirty="0" smtClean="0"/>
-              <a:t>		Users</a:t>
-            </a:r>
-          </a:p>
-          <a:p>
-            <a:r>
-              <a:rPr lang="en-US" sz="1000" dirty="0"/>
-              <a:t>	</a:t>
-            </a:r>
-            <a:r>
-              <a:rPr lang="en-US" sz="1000" dirty="0" smtClean="0"/>
-              <a:t>	User {Edit, Copy, Delete}</a:t>
-            </a:r>
-          </a:p>
-          <a:p>
-            <a:r>
-              <a:rPr lang="en-US" sz="1000" dirty="0"/>
-              <a:t>	</a:t>
-            </a:r>
-            <a:r>
-              <a:rPr lang="en-US" sz="1000" dirty="0" smtClean="0"/>
-              <a:t>		</a:t>
-            </a:r>
-            <a:r>
-              <a:rPr lang="en-US" sz="1000" dirty="0"/>
-              <a:t>(</a:t>
-            </a:r>
-            <a:r>
-              <a:rPr lang="en-US" sz="1000" b="1" dirty="0"/>
-              <a:t>-||-</a:t>
-            </a:r>
-            <a:r>
-              <a:rPr lang="en-US" sz="1000" dirty="0"/>
-              <a:t>) </a:t>
-            </a:r>
-            <a:r>
-              <a:rPr lang="en-US" sz="1000" dirty="0" smtClean="0"/>
-              <a:t>User </a:t>
-            </a:r>
-            <a:r>
-              <a:rPr lang="en-US" sz="1000" dirty="0"/>
-              <a:t>Attributes  </a:t>
-            </a:r>
-            <a:r>
-              <a:rPr lang="en-US" sz="1000" dirty="0" smtClean="0"/>
-              <a:t>{Name, Email, Phone, Perms, Password}</a:t>
-            </a:r>
-          </a:p>
-          <a:p>
-            <a:r>
-              <a:rPr lang="en-US" sz="1000" dirty="0"/>
-              <a:t>	</a:t>
-            </a:r>
-            <a:r>
-              <a:rPr lang="en-US" sz="1000" dirty="0" smtClean="0"/>
-              <a:t>		(</a:t>
-            </a:r>
-            <a:r>
-              <a:rPr lang="en-US" sz="1000" b="1" dirty="0" smtClean="0"/>
-              <a:t>-||</a:t>
-            </a:r>
-            <a:r>
-              <a:rPr lang="en-US" sz="1000" b="1" dirty="0"/>
-              <a:t>o&lt;-</a:t>
-            </a:r>
-            <a:r>
-              <a:rPr lang="en-US" sz="1000" dirty="0"/>
-              <a:t>) Group </a:t>
-            </a:r>
-            <a:r>
-              <a:rPr lang="en-US" sz="1000" dirty="0" smtClean="0"/>
-              <a:t>Link</a:t>
-            </a:r>
-          </a:p>
-          <a:p>
-            <a:r>
-              <a:rPr lang="en-US" sz="1000" dirty="0"/>
-              <a:t>	</a:t>
-            </a:r>
-            <a:r>
-              <a:rPr lang="en-US" sz="1000" dirty="0" smtClean="0"/>
-              <a:t>		(</a:t>
-            </a:r>
-            <a:r>
-              <a:rPr lang="en-US" sz="1000" b="1" dirty="0" smtClean="0"/>
-              <a:t>-||</a:t>
-            </a:r>
-            <a:r>
-              <a:rPr lang="en-US" sz="1000" b="1" dirty="0"/>
-              <a:t>o-</a:t>
-            </a:r>
-            <a:r>
-              <a:rPr lang="en-US" sz="1000" dirty="0"/>
-              <a:t>) </a:t>
-            </a:r>
-            <a:r>
-              <a:rPr lang="en-US" sz="1000" dirty="0" smtClean="0"/>
-              <a:t>Credential Link</a:t>
-            </a:r>
+              <a:t>) Status Attributes  {Code, Alias, Friendly Text, Tile Text, Column Text, Test Text, CFC, CBC, SFC, SBC}</a:t>
+            </a:r>
+          </a:p>
+          <a:p>
+            <a:endParaRPr lang="en-US" sz="1000" dirty="0"/>
           </a:p>
         </p:txBody>
       </p:sp>
@@ -4286,7 +4040,7 @@
         <p:spPr>
           <a:xfrm>
             <a:off x="6096000" y="0"/>
-            <a:ext cx="3048000" cy="2862322"/>
+            <a:ext cx="3048000" cy="2092881"/>
           </a:xfrm>
           <a:prstGeom prst="rect">
             <a:avLst/>
@@ -4331,6 +4085,27 @@
             </a:r>
             <a:r>
               <a:rPr lang="en-US" sz="1000" dirty="0" smtClean="0"/>
+              <a:t>Procedure</a:t>
+            </a:r>
+          </a:p>
+          <a:p>
+            <a:r>
+              <a:rPr lang="en-US" sz="1000"/>
+              <a:t>	</a:t>
+            </a:r>
+            <a:r>
+              <a:rPr lang="en-US" sz="1000" smtClean="0"/>
+              <a:t>Procedure Link</a:t>
+            </a:r>
+            <a:endParaRPr lang="en-US" sz="1000" dirty="0" smtClean="0"/>
+          </a:p>
+          <a:p>
+            <a:r>
+              <a:rPr lang="en-US" sz="1000" dirty="0"/>
+              <a:t>	</a:t>
+            </a:r>
+            <a:r>
+              <a:rPr lang="en-US" sz="1000" dirty="0" smtClean="0"/>
               <a:t>Controller</a:t>
             </a:r>
           </a:p>
@@ -4341,16 +4116,6 @@
             </a:r>
             <a:r>
               <a:rPr lang="en-US" sz="1000" dirty="0" smtClean="0"/>
-              <a:t>Controller Link</a:t>
-            </a:r>
-          </a:p>
-          <a:p>
-            <a:r>
-              <a:rPr lang="en-US" sz="1000" dirty="0"/>
-              <a:t>	</a:t>
-            </a:r>
-            <a:r>
-              <a:rPr lang="en-US" sz="1000" dirty="0" smtClean="0"/>
               <a:t>RFC</a:t>
             </a:r>
           </a:p>
@@ -4401,67 +4166,7 @@
             </a:r>
             <a:r>
               <a:rPr lang="en-US" sz="1000" dirty="0" smtClean="0"/>
-              <a:t>Credential Link</a:t>
-            </a:r>
-          </a:p>
-          <a:p>
-            <a:r>
-              <a:rPr lang="en-US" sz="1000" dirty="0"/>
-              <a:t>	</a:t>
-            </a:r>
-            <a:r>
-              <a:rPr lang="en-US" sz="1000" dirty="0" smtClean="0"/>
               <a:t>User</a:t>
-            </a:r>
-          </a:p>
-          <a:p>
-            <a:r>
-              <a:rPr lang="en-US" sz="1000" dirty="0"/>
-              <a:t>	</a:t>
-            </a:r>
-            <a:r>
-              <a:rPr lang="en-US" sz="1000" dirty="0" smtClean="0"/>
-              <a:t>User Link</a:t>
-            </a:r>
-          </a:p>
-          <a:p>
-            <a:r>
-              <a:rPr lang="en-US" sz="1000" dirty="0"/>
-              <a:t>	</a:t>
-            </a:r>
-            <a:r>
-              <a:rPr lang="en-US" sz="1000" dirty="0" smtClean="0"/>
-              <a:t>Group</a:t>
-            </a:r>
-          </a:p>
-          <a:p>
-            <a:r>
-              <a:rPr lang="en-US" sz="1000" dirty="0"/>
-              <a:t>	</a:t>
-            </a:r>
-            <a:r>
-              <a:rPr lang="en-US" sz="1000" dirty="0" smtClean="0"/>
-              <a:t>Group Link</a:t>
-            </a:r>
-          </a:p>
-          <a:p>
-            <a:r>
-              <a:rPr lang="en-US" sz="1000" dirty="0"/>
-              <a:t>	</a:t>
-            </a:r>
-            <a:r>
-              <a:rPr lang="en-US" sz="1000" dirty="0" smtClean="0"/>
-              <a:t>Agent</a:t>
-            </a:r>
-          </a:p>
-          <a:p>
-            <a:r>
-              <a:rPr lang="en-US" sz="1000" dirty="0"/>
-              <a:t>	</a:t>
-            </a:r>
-            <a:r>
-              <a:rPr lang="en-US" sz="1000" dirty="0" smtClean="0"/>
-              <a:t>Agent Link</a:t>
             </a:r>
           </a:p>
           <a:p>
@@ -4486,6 +4191,13 @@
   <p:clrMapOvr>
     <a:masterClrMapping/>
   </p:clrMapOvr>
+  <p:timing>
+    <p:tnLst>
+      <p:par>
+        <p:cTn id="1" dur="indefinite" restart="never" nodeType="tmRoot"/>
+      </p:par>
+    </p:tnLst>
+  </p:timing>
 </p:sld>
 </file>
 
@@ -4514,8 +4226,8 @@
         </p:nvSpPr>
         <p:spPr>
           <a:xfrm>
-            <a:off x="5576" y="0"/>
-            <a:ext cx="9138424" cy="2708434"/>
+            <a:off x="0" y="-12032"/>
+            <a:ext cx="9138424" cy="2246769"/>
           </a:xfrm>
           <a:prstGeom prst="rect">
             <a:avLst/>
@@ -4530,360 +4242,296 @@
           <a:p>
             <a:r>
               <a:rPr lang="en-US" sz="1000" dirty="0" smtClean="0"/>
-              <a:t>Inventory</a:t>
-            </a:r>
-          </a:p>
-          <a:p>
-            <a:r>
-              <a:rPr lang="en-US" sz="1000" dirty="0"/>
-              <a:t>	</a:t>
-            </a:r>
-            <a:r>
-              <a:rPr lang="en-US" sz="1000" dirty="0" smtClean="0"/>
-              <a:t>Groups</a:t>
-            </a:r>
-          </a:p>
-          <a:p>
-            <a:r>
-              <a:rPr lang="en-US" sz="1000" dirty="0"/>
-              <a:t>	</a:t>
-            </a:r>
-            <a:r>
-              <a:rPr lang="en-US" sz="1000" dirty="0" smtClean="0"/>
-              <a:t>	Group </a:t>
-            </a:r>
-            <a:r>
-              <a:rPr lang="en-US" sz="1000" dirty="0"/>
-              <a:t>{</a:t>
-            </a:r>
-            <a:r>
-              <a:rPr lang="en-US" sz="1000" dirty="0" smtClean="0"/>
-              <a:t>Edit, </a:t>
-            </a:r>
-            <a:r>
-              <a:rPr lang="en-US" sz="1000" dirty="0"/>
-              <a:t>Copy, </a:t>
-            </a:r>
-            <a:r>
-              <a:rPr lang="en-US" sz="1000" dirty="0" smtClean="0"/>
-              <a:t>Delete}</a:t>
-            </a:r>
-          </a:p>
-          <a:p>
-            <a:r>
-              <a:rPr lang="en-US" sz="1000" dirty="0"/>
-              <a:t>	</a:t>
-            </a:r>
-            <a:r>
-              <a:rPr lang="en-US" sz="1000" dirty="0" smtClean="0"/>
-              <a:t>		(</a:t>
-            </a:r>
-            <a:r>
-              <a:rPr lang="en-US" sz="1000" b="1" dirty="0" smtClean="0"/>
-              <a:t>-||</a:t>
-            </a:r>
-            <a:r>
-              <a:rPr lang="en-US" sz="1000" b="1" dirty="0"/>
-              <a:t>o&lt;-</a:t>
-            </a:r>
-            <a:r>
-              <a:rPr lang="en-US" sz="1000" dirty="0"/>
-              <a:t>) </a:t>
-            </a:r>
-            <a:r>
-              <a:rPr lang="en-US" sz="1000" dirty="0" smtClean="0"/>
-              <a:t>User Link</a:t>
-            </a:r>
-          </a:p>
-          <a:p>
-            <a:r>
-              <a:rPr lang="en-US" sz="1000" dirty="0" smtClean="0"/>
-              <a:t>	</a:t>
-            </a:r>
-            <a:r>
-              <a:rPr lang="en-US" sz="1000" dirty="0"/>
-              <a:t>	</a:t>
-            </a:r>
-            <a:r>
-              <a:rPr lang="en-US" sz="1000" dirty="0" smtClean="0"/>
-              <a:t>	(</a:t>
-            </a:r>
-            <a:r>
-              <a:rPr lang="en-US" sz="1000" b="1" dirty="0" smtClean="0"/>
-              <a:t>-||</a:t>
-            </a:r>
-            <a:r>
-              <a:rPr lang="en-US" sz="1000" b="1" dirty="0"/>
-              <a:t>o&lt;-</a:t>
-            </a:r>
-            <a:r>
-              <a:rPr lang="en-US" sz="1000" dirty="0"/>
-              <a:t>) </a:t>
-            </a:r>
-            <a:r>
-              <a:rPr lang="en-US" sz="1000" dirty="0" smtClean="0"/>
-              <a:t>Group Link</a:t>
-            </a:r>
-          </a:p>
-          <a:p>
-            <a:r>
-              <a:rPr lang="en-US" sz="1000" dirty="0"/>
-              <a:t>	</a:t>
-            </a:r>
-            <a:r>
-              <a:rPr lang="en-US" sz="1000" dirty="0" smtClean="0"/>
-              <a:t>		(</a:t>
-            </a:r>
-            <a:r>
-              <a:rPr lang="en-US" sz="1000" b="1" dirty="0" smtClean="0"/>
-              <a:t>-||</a:t>
-            </a:r>
-            <a:r>
-              <a:rPr lang="en-US" sz="1000" b="1" dirty="0"/>
-              <a:t>o-</a:t>
-            </a:r>
-            <a:r>
-              <a:rPr lang="en-US" sz="1000" dirty="0"/>
-              <a:t>) </a:t>
-            </a:r>
-            <a:r>
-              <a:rPr lang="en-US" sz="1000" dirty="0" smtClean="0"/>
-              <a:t>Credential Link</a:t>
-            </a:r>
-          </a:p>
-          <a:p>
-            <a:r>
-              <a:rPr lang="en-US" sz="1000" dirty="0" smtClean="0"/>
-              <a:t>			(</a:t>
-            </a:r>
-            <a:r>
-              <a:rPr lang="en-US" sz="1000" b="1" dirty="0" smtClean="0"/>
-              <a:t>-||-</a:t>
-            </a:r>
-            <a:r>
-              <a:rPr lang="en-US" sz="1000" dirty="0" smtClean="0"/>
-              <a:t>) Group </a:t>
-            </a:r>
-            <a:r>
-              <a:rPr lang="en-US" sz="1000" dirty="0"/>
-              <a:t>Attributes  {</a:t>
-            </a:r>
-            <a:r>
-              <a:rPr lang="en-US" sz="1000" dirty="0" smtClean="0"/>
-              <a:t>Name, </a:t>
-            </a:r>
-            <a:r>
-              <a:rPr lang="en-US" sz="1000" dirty="0"/>
-              <a:t>Perms}</a:t>
-            </a:r>
-          </a:p>
-          <a:p>
-            <a:r>
-              <a:rPr lang="en-US" sz="1000" dirty="0"/>
-              <a:t>	</a:t>
-            </a:r>
-            <a:r>
-              <a:rPr lang="en-US" sz="1000" dirty="0" smtClean="0"/>
-              <a:t>Credentials</a:t>
-            </a:r>
-          </a:p>
-          <a:p>
-            <a:r>
-              <a:rPr lang="en-US" sz="1000" dirty="0"/>
-              <a:t>	</a:t>
-            </a:r>
-            <a:r>
-              <a:rPr lang="en-US" sz="1000" dirty="0" smtClean="0"/>
-              <a:t>	Credential </a:t>
-            </a:r>
-            <a:r>
-              <a:rPr lang="en-US" sz="1000" dirty="0"/>
-              <a:t>{Edit, </a:t>
-            </a:r>
-            <a:r>
-              <a:rPr lang="en-US" sz="1000" dirty="0" smtClean="0"/>
-              <a:t>Copy, Delete}</a:t>
-            </a:r>
-          </a:p>
-          <a:p>
-            <a:r>
-              <a:rPr lang="en-US" sz="1000" dirty="0"/>
-              <a:t>	</a:t>
-            </a:r>
-            <a:r>
-              <a:rPr lang="en-US" sz="1000" dirty="0" smtClean="0"/>
-              <a:t>		</a:t>
-            </a:r>
-            <a:r>
-              <a:rPr lang="en-US" sz="1000" dirty="0"/>
-              <a:t>(</a:t>
-            </a:r>
-            <a:r>
-              <a:rPr lang="en-US" sz="1000" b="1" dirty="0"/>
-              <a:t>-||-</a:t>
-            </a:r>
-            <a:r>
-              <a:rPr lang="en-US" sz="1000" dirty="0"/>
-              <a:t>) </a:t>
-            </a:r>
-            <a:r>
-              <a:rPr lang="en-US" sz="1000" dirty="0" smtClean="0"/>
-              <a:t>Credential </a:t>
-            </a:r>
-            <a:r>
-              <a:rPr lang="en-US" sz="1000" dirty="0"/>
-              <a:t>Attributes  {Name, </a:t>
-            </a:r>
-            <a:r>
-              <a:rPr lang="en-US" sz="1000" dirty="0" smtClean="0"/>
-              <a:t>Username, Domain, Password, SSH Key, Perms}</a:t>
-            </a:r>
-          </a:p>
-          <a:p>
-            <a:r>
-              <a:rPr lang="en-US" sz="1000" dirty="0"/>
-              <a:t>	</a:t>
-            </a:r>
-            <a:r>
-              <a:rPr lang="en-US" sz="1000" dirty="0" smtClean="0"/>
-              <a:t>Statuses</a:t>
-            </a:r>
-          </a:p>
-          <a:p>
-            <a:r>
-              <a:rPr lang="en-US" sz="1000" dirty="0"/>
-              <a:t>	</a:t>
-            </a:r>
-            <a:r>
-              <a:rPr lang="en-US" sz="1000" dirty="0" smtClean="0"/>
-              <a:t>	Status </a:t>
-            </a:r>
-            <a:r>
-              <a:rPr lang="en-US" sz="1000" dirty="0"/>
-              <a:t>{Edit, Copy, </a:t>
-            </a:r>
-            <a:r>
-              <a:rPr lang="en-US" sz="1000" dirty="0" smtClean="0"/>
-              <a:t>Delete}</a:t>
-            </a:r>
-          </a:p>
-          <a:p>
-            <a:r>
-              <a:rPr lang="en-US" sz="1000" dirty="0"/>
-              <a:t>	</a:t>
-            </a:r>
-            <a:r>
-              <a:rPr lang="en-US" sz="1000" dirty="0" smtClean="0"/>
-              <a:t>		</a:t>
-            </a:r>
-            <a:r>
-              <a:rPr lang="en-US" sz="1000" dirty="0"/>
-              <a:t>(</a:t>
-            </a:r>
-            <a:r>
-              <a:rPr lang="en-US" sz="1000" b="1" dirty="0"/>
-              <a:t>-||-</a:t>
-            </a:r>
-            <a:r>
-              <a:rPr lang="en-US" sz="1000" dirty="0"/>
-              <a:t>) </a:t>
-            </a:r>
-            <a:r>
-              <a:rPr lang="en-US" sz="1000" dirty="0" smtClean="0"/>
-              <a:t>Status </a:t>
-            </a:r>
-            <a:r>
-              <a:rPr lang="en-US" sz="1000" dirty="0"/>
-              <a:t>Attributes  </a:t>
-            </a:r>
-            <a:r>
-              <a:rPr lang="en-US" sz="1000" dirty="0" smtClean="0"/>
-              <a:t>{Code, Alias, Friendly Text, Tile Text, Column Text, Test Text, CFC, CBC, SFC, SBC, Perms}</a:t>
-            </a:r>
-          </a:p>
-          <a:p>
-            <a:r>
-              <a:rPr lang="en-US" sz="1000" dirty="0"/>
-              <a:t>	</a:t>
-            </a:r>
-            <a:r>
-              <a:rPr lang="en-US" sz="1000" dirty="0" smtClean="0"/>
-              <a:t>Agents</a:t>
-            </a:r>
-          </a:p>
-          <a:p>
-            <a:r>
-              <a:rPr lang="en-US" sz="1000" dirty="0"/>
-              <a:t>	</a:t>
-            </a:r>
-            <a:r>
-              <a:rPr lang="en-US" sz="1000" dirty="0" smtClean="0"/>
-              <a:t>	Agent{Edit</a:t>
-            </a:r>
-            <a:r>
-              <a:rPr lang="en-US" sz="1000" dirty="0"/>
-              <a:t>, Copy, </a:t>
-            </a:r>
-            <a:r>
-              <a:rPr lang="en-US" sz="1000" dirty="0" smtClean="0"/>
-              <a:t>Delete}</a:t>
-            </a:r>
+              <a:t>Object : {}</a:t>
+            </a:r>
+          </a:p>
+          <a:p>
+            <a:r>
+              <a:rPr lang="en-US" sz="1000" dirty="0"/>
+              <a:t>	</a:t>
+            </a:r>
+            <a:r>
+              <a:rPr lang="en-US" sz="1000" dirty="0" smtClean="0"/>
+              <a:t>Type : String</a:t>
+            </a:r>
+          </a:p>
+          <a:p>
+            <a:r>
+              <a:rPr lang="en-US" sz="1000" dirty="0"/>
+              <a:t>	</a:t>
+            </a:r>
+            <a:r>
+              <a:rPr lang="en-US" sz="1000" dirty="0" smtClean="0"/>
+              <a:t>Parent : String</a:t>
+            </a:r>
+          </a:p>
+          <a:p>
+            <a:r>
+              <a:rPr lang="en-US" sz="1000" dirty="0"/>
+              <a:t>	</a:t>
+            </a:r>
+            <a:r>
+              <a:rPr lang="en-US" sz="1000" dirty="0" smtClean="0"/>
+              <a:t>Children : [String]</a:t>
+            </a:r>
+          </a:p>
+          <a:p>
+            <a:r>
+              <a:rPr lang="en-US" sz="1000" dirty="0"/>
+              <a:t>	</a:t>
+            </a:r>
+            <a:r>
+              <a:rPr lang="en-US" sz="1000" dirty="0" smtClean="0"/>
+              <a:t>Name : String</a:t>
+            </a:r>
+          </a:p>
+          <a:p>
+            <a:r>
+              <a:rPr lang="en-US" sz="1000" dirty="0"/>
+              <a:t>	</a:t>
+            </a:r>
+            <a:r>
+              <a:rPr lang="en-US" sz="1000" dirty="0" smtClean="0"/>
+              <a:t>Context : {}</a:t>
+            </a:r>
+          </a:p>
+          <a:p>
+            <a:r>
+              <a:rPr lang="en-US" sz="1000" dirty="0"/>
+              <a:t>	</a:t>
+            </a:r>
+            <a:r>
+              <a:rPr lang="en-US" sz="1000" dirty="0" smtClean="0"/>
+              <a:t>	“Add” : {}</a:t>
+            </a:r>
+          </a:p>
+          <a:p>
+            <a:r>
+              <a:rPr lang="en-US" sz="1000" dirty="0"/>
+              <a:t>	</a:t>
+            </a:r>
+            <a:r>
+              <a:rPr lang="en-US" sz="1000" dirty="0" smtClean="0"/>
+              <a:t>		Label : String</a:t>
+            </a:r>
+          </a:p>
+          <a:p>
+            <a:r>
+              <a:rPr lang="en-US" sz="1000" dirty="0"/>
+              <a:t>	</a:t>
+            </a:r>
+            <a:r>
+              <a:rPr lang="en-US" sz="1000" dirty="0" smtClean="0"/>
+              <a:t>		Option : String</a:t>
+            </a:r>
+          </a:p>
+          <a:p>
+            <a:r>
+              <a:rPr lang="en-US" sz="1000" dirty="0"/>
+              <a:t>	</a:t>
+            </a:r>
+            <a:endParaRPr lang="en-US" sz="1000" dirty="0" smtClean="0"/>
+          </a:p>
+          <a:p>
             <a:endParaRPr lang="en-US" sz="1000" dirty="0"/>
           </a:p>
           <a:p>
-            <a:r>
-              <a:rPr lang="en-US" sz="1000" dirty="0" smtClean="0"/>
-              <a:t>			</a:t>
-            </a:r>
-            <a:r>
-              <a:rPr lang="en-US" sz="1000" dirty="0"/>
-              <a:t>(</a:t>
-            </a:r>
-            <a:r>
-              <a:rPr lang="en-US" sz="1000" b="1" dirty="0"/>
-              <a:t>-||-</a:t>
-            </a:r>
-            <a:r>
-              <a:rPr lang="en-US" sz="1000" dirty="0"/>
-              <a:t>) </a:t>
-            </a:r>
-            <a:r>
-              <a:rPr lang="en-US" sz="1000" dirty="0" smtClean="0"/>
-              <a:t>Agent </a:t>
-            </a:r>
-            <a:r>
-              <a:rPr lang="en-US" sz="1000" dirty="0"/>
-              <a:t>Attributes  </a:t>
-            </a:r>
-            <a:r>
-              <a:rPr lang="en-US" sz="1000" dirty="0" smtClean="0"/>
-              <a:t>{Name, Host, Port, Protocol, Perms}</a:t>
-            </a:r>
-          </a:p>
-          <a:p>
-            <a:r>
-              <a:rPr lang="en-US" sz="1000" dirty="0"/>
-              <a:t>	</a:t>
-            </a:r>
-            <a:r>
-              <a:rPr lang="en-US" sz="1000" dirty="0" smtClean="0"/>
-              <a:t>		(</a:t>
-            </a:r>
-            <a:r>
-              <a:rPr lang="en-US" sz="1000" b="1" dirty="0" smtClean="0"/>
-              <a:t>-||</a:t>
-            </a:r>
-            <a:r>
-              <a:rPr lang="en-US" sz="1000" b="1" dirty="0"/>
-              <a:t>o&lt;-</a:t>
-            </a:r>
-            <a:r>
-              <a:rPr lang="en-US" sz="1000" dirty="0"/>
-              <a:t>) </a:t>
-            </a:r>
-            <a:r>
-              <a:rPr lang="en-US" sz="1000" dirty="0" smtClean="0"/>
-              <a:t> Agent</a:t>
+            <a:endParaRPr lang="en-US" sz="1000" dirty="0" smtClean="0"/>
+          </a:p>
+          <a:p>
+            <a:endParaRPr lang="en-US" sz="1000" dirty="0" smtClean="0"/>
+          </a:p>
+          <a:p>
+            <a:r>
+              <a:rPr lang="en-US" sz="1000" dirty="0"/>
+              <a:t>	</a:t>
+            </a:r>
+            <a:endParaRPr lang="en-US" sz="1000" dirty="0" smtClean="0"/>
+          </a:p>
+        </p:txBody>
+      </p:sp>
+      <p:sp>
+        <p:nvSpPr>
+          <p:cNvPr id="4" name="TextBox 3"/>
+          <p:cNvSpPr txBox="1"/>
+          <p:nvPr/>
+        </p:nvSpPr>
+        <p:spPr>
+          <a:xfrm>
+            <a:off x="0" y="3048000"/>
+            <a:ext cx="9144000" cy="2246769"/>
+          </a:xfrm>
+          <a:prstGeom prst="rect">
+            <a:avLst/>
+          </a:prstGeom>
+          <a:noFill/>
+        </p:spPr>
+        <p:txBody>
+          <a:bodyPr wrap="square" rtlCol="0">
+            <a:spAutoFit/>
+          </a:bodyPr>
+          <a:lstStyle/>
+          <a:p>
+            <a:r>
+              <a:rPr lang="en-US" sz="1000" dirty="0" smtClean="0"/>
+              <a:t>Permission:</a:t>
+            </a:r>
+          </a:p>
+          <a:p>
+            <a:r>
+              <a:rPr lang="en-US" sz="1000" dirty="0"/>
+              <a:t>	</a:t>
+            </a:r>
+            <a:r>
+              <a:rPr lang="en-US" sz="1000" dirty="0" smtClean="0"/>
+              <a:t>User</a:t>
+            </a:r>
+            <a:r>
+              <a:rPr lang="en-US" sz="1000" dirty="0"/>
+              <a:t> || </a:t>
+            </a:r>
+            <a:r>
+              <a:rPr lang="en-US" sz="1000" dirty="0" smtClean="0"/>
+              <a:t>Inherit</a:t>
+            </a:r>
+          </a:p>
+          <a:p>
+            <a:r>
+              <a:rPr lang="en-US" sz="1000" dirty="0"/>
+              <a:t>	</a:t>
+            </a:r>
+            <a:r>
+              <a:rPr lang="en-US" sz="1000" dirty="0" smtClean="0"/>
+              <a:t>	Allow</a:t>
+            </a:r>
+          </a:p>
+          <a:p>
+            <a:r>
+              <a:rPr lang="en-US" sz="1000" dirty="0" smtClean="0"/>
+              <a:t>	</a:t>
+            </a:r>
+            <a:r>
+              <a:rPr lang="en-US" sz="1000" dirty="0"/>
+              <a:t>	</a:t>
+            </a:r>
+            <a:r>
+              <a:rPr lang="en-US" sz="1000" dirty="0" smtClean="0"/>
+              <a:t>User Read</a:t>
+            </a:r>
+          </a:p>
+          <a:p>
+            <a:r>
+              <a:rPr lang="en-US" sz="1000" dirty="0"/>
+              <a:t>	</a:t>
+            </a:r>
+            <a:r>
+              <a:rPr lang="en-US" sz="1000" dirty="0" smtClean="0"/>
+              <a:t>	User Write</a:t>
+            </a:r>
+          </a:p>
+          <a:p>
+            <a:r>
+              <a:rPr lang="en-US" sz="1000" dirty="0"/>
+              <a:t>	</a:t>
+            </a:r>
+            <a:r>
+              <a:rPr lang="en-US" sz="1000" dirty="0" smtClean="0"/>
+              <a:t>	User </a:t>
+            </a:r>
+            <a:r>
+              <a:rPr lang="en-US" sz="1000" dirty="0"/>
+              <a:t>Execute</a:t>
+            </a:r>
+            <a:endParaRPr lang="en-US" sz="1000" dirty="0" smtClean="0"/>
+          </a:p>
+          <a:p>
+            <a:r>
+              <a:rPr lang="en-US" sz="1000" dirty="0" smtClean="0"/>
+              <a:t>	Group</a:t>
+            </a:r>
+            <a:r>
+              <a:rPr lang="en-US" sz="1000" dirty="0"/>
+              <a:t> || Inherit</a:t>
+            </a:r>
+            <a:endParaRPr lang="en-US" sz="1000" dirty="0" smtClean="0"/>
+          </a:p>
+          <a:p>
+            <a:r>
+              <a:rPr lang="en-US" sz="1000" dirty="0"/>
+              <a:t>	</a:t>
+            </a:r>
+            <a:r>
+              <a:rPr lang="en-US" sz="1000" dirty="0" smtClean="0"/>
+              <a:t>	Group Read</a:t>
+            </a:r>
+            <a:endParaRPr lang="en-US" sz="1000" dirty="0"/>
+          </a:p>
+          <a:p>
+            <a:r>
+              <a:rPr lang="en-US" sz="1000" dirty="0"/>
+              <a:t>	</a:t>
+            </a:r>
+            <a:r>
+              <a:rPr lang="en-US" sz="1000" dirty="0" smtClean="0"/>
+              <a:t>	Group Write</a:t>
+            </a:r>
+            <a:endParaRPr lang="en-US" sz="1000" dirty="0"/>
+          </a:p>
+          <a:p>
+            <a:r>
+              <a:rPr lang="en-US" sz="1000" dirty="0"/>
+              <a:t>	</a:t>
+            </a:r>
+            <a:r>
+              <a:rPr lang="en-US" sz="1000" dirty="0" smtClean="0"/>
+              <a:t>	Group Execute</a:t>
+            </a:r>
+            <a:endParaRPr lang="en-US" sz="1000" dirty="0"/>
+          </a:p>
+          <a:p>
+            <a:r>
+              <a:rPr lang="en-US" sz="1000" dirty="0" smtClean="0"/>
+              <a:t>	Other || Inherit</a:t>
+            </a:r>
+          </a:p>
+          <a:p>
+            <a:r>
+              <a:rPr lang="en-US" sz="1000" dirty="0" smtClean="0"/>
+              <a:t>	</a:t>
+            </a:r>
+            <a:r>
+              <a:rPr lang="en-US" sz="1000" dirty="0"/>
+              <a:t>	</a:t>
+            </a:r>
+            <a:r>
+              <a:rPr lang="en-US" sz="1000" dirty="0" smtClean="0"/>
+              <a:t>Other Read</a:t>
+            </a:r>
+            <a:endParaRPr lang="en-US" sz="1000" dirty="0"/>
+          </a:p>
+          <a:p>
+            <a:r>
+              <a:rPr lang="en-US" sz="1000" dirty="0"/>
+              <a:t>	</a:t>
+            </a:r>
+            <a:r>
+              <a:rPr lang="en-US" sz="1000" dirty="0" smtClean="0"/>
+              <a:t>	Other Write</a:t>
+            </a:r>
+            <a:endParaRPr lang="en-US" sz="1000" dirty="0"/>
+          </a:p>
+          <a:p>
+            <a:r>
+              <a:rPr lang="en-US" sz="1000" dirty="0" smtClean="0"/>
+              <a:t>	</a:t>
+            </a:r>
+            <a:r>
+              <a:rPr lang="en-US" sz="1000" dirty="0"/>
+              <a:t>	</a:t>
+            </a:r>
+            <a:r>
+              <a:rPr lang="en-US" sz="1000" dirty="0" smtClean="0"/>
+              <a:t>Other Execute</a:t>
             </a:r>
             <a:endParaRPr lang="en-US" sz="1000" dirty="0"/>
           </a:p>
@@ -4899,6 +4547,713 @@
   <p:clrMapOvr>
     <a:masterClrMapping/>
   </p:clrMapOvr>
+  <p:timing>
+    <p:tnLst>
+      <p:par>
+        <p:cTn id="1" dur="indefinite" restart="never" nodeType="tmRoot"/>
+      </p:par>
+    </p:tnLst>
+  </p:timing>
+</p:sld>
+</file>
+
+<file path=ppt/slides/slide4.xml><?xml version="1.0" encoding="utf-8"?>
+<p:sld xmlns:a="http://schemas.openxmlformats.org/drawingml/2006/main" xmlns:r="http://schemas.openxmlformats.org/officeDocument/2006/relationships" xmlns:p="http://schemas.openxmlformats.org/presentationml/2006/main">
+  <p:cSld>
+    <p:spTree>
+      <p:nvGrpSpPr>
+        <p:cNvPr id="1" name=""/>
+        <p:cNvGrpSpPr/>
+        <p:nvPr/>
+      </p:nvGrpSpPr>
+      <p:grpSpPr>
+        <a:xfrm>
+          <a:off x="0" y="0"/>
+          <a:ext cx="0" cy="0"/>
+          <a:chOff x="0" y="0"/>
+          <a:chExt cx="0" cy="0"/>
+        </a:xfrm>
+      </p:grpSpPr>
+      <p:sp>
+        <p:nvSpPr>
+          <p:cNvPr id="12" name="Rectangle 11"/>
+          <p:cNvSpPr/>
+          <p:nvPr/>
+        </p:nvSpPr>
+        <p:spPr>
+          <a:xfrm>
+            <a:off x="381000" y="304800"/>
+            <a:ext cx="8270488" cy="3064293"/>
+          </a:xfrm>
+          <a:prstGeom prst="rect">
+            <a:avLst/>
+          </a:prstGeom>
+        </p:spPr>
+        <p:style>
+          <a:lnRef idx="2">
+            <a:schemeClr val="accent3">
+              <a:shade val="50000"/>
+            </a:schemeClr>
+          </a:lnRef>
+          <a:fillRef idx="1">
+            <a:schemeClr val="accent3"/>
+          </a:fillRef>
+          <a:effectRef idx="0">
+            <a:schemeClr val="accent3"/>
+          </a:effectRef>
+          <a:fontRef idx="minor">
+            <a:schemeClr val="lt1"/>
+          </a:fontRef>
+        </p:style>
+        <p:txBody>
+          <a:bodyPr rtlCol="0" anchor="t"/>
+          <a:lstStyle/>
+          <a:p>
+            <a:pPr algn="ctr"/>
+            <a:r>
+              <a:rPr lang="en-US" dirty="0" smtClean="0"/>
+              <a:t>Task Tiles</a:t>
+            </a:r>
+            <a:endParaRPr lang="en-US" dirty="0"/>
+          </a:p>
+        </p:txBody>
+      </p:sp>
+      <p:sp>
+        <p:nvSpPr>
+          <p:cNvPr id="2" name="Rectangle 1"/>
+          <p:cNvSpPr/>
+          <p:nvPr/>
+        </p:nvSpPr>
+        <p:spPr>
+          <a:xfrm>
+            <a:off x="622806" y="778294"/>
+            <a:ext cx="7772400" cy="2319086"/>
+          </a:xfrm>
+          <a:prstGeom prst="rect">
+            <a:avLst/>
+          </a:prstGeom>
+        </p:spPr>
+        <p:style>
+          <a:lnRef idx="2">
+            <a:schemeClr val="accent1">
+              <a:shade val="50000"/>
+            </a:schemeClr>
+          </a:lnRef>
+          <a:fillRef idx="1">
+            <a:schemeClr val="accent1"/>
+          </a:fillRef>
+          <a:effectRef idx="0">
+            <a:schemeClr val="accent1"/>
+          </a:effectRef>
+          <a:fontRef idx="minor">
+            <a:schemeClr val="lt1"/>
+          </a:fontRef>
+        </p:style>
+        <p:txBody>
+          <a:bodyPr rtlCol="0" anchor="t"/>
+          <a:lstStyle/>
+          <a:p>
+            <a:pPr algn="ctr"/>
+            <a:endParaRPr lang="en-US" dirty="0"/>
+          </a:p>
+        </p:txBody>
+      </p:sp>
+      <p:sp>
+        <p:nvSpPr>
+          <p:cNvPr id="4" name="Rectangle 3"/>
+          <p:cNvSpPr/>
+          <p:nvPr/>
+        </p:nvSpPr>
+        <p:spPr>
+          <a:xfrm>
+            <a:off x="3718932" y="1039730"/>
+            <a:ext cx="1143000" cy="762000"/>
+          </a:xfrm>
+          <a:prstGeom prst="rect">
+            <a:avLst/>
+          </a:prstGeom>
+        </p:spPr>
+        <p:style>
+          <a:lnRef idx="2">
+            <a:schemeClr val="accent6">
+              <a:shade val="50000"/>
+            </a:schemeClr>
+          </a:lnRef>
+          <a:fillRef idx="1">
+            <a:schemeClr val="accent6"/>
+          </a:fillRef>
+          <a:effectRef idx="0">
+            <a:schemeClr val="accent6"/>
+          </a:effectRef>
+          <a:fontRef idx="minor">
+            <a:schemeClr val="lt1"/>
+          </a:fontRef>
+        </p:style>
+        <p:txBody>
+          <a:bodyPr rtlCol="0" anchor="ctr"/>
+          <a:lstStyle/>
+          <a:p>
+            <a:pPr algn="ctr"/>
+            <a:r>
+              <a:rPr lang="en-US" dirty="0" smtClean="0"/>
+              <a:t>Edit</a:t>
+            </a:r>
+            <a:endParaRPr lang="en-US" dirty="0"/>
+          </a:p>
+        </p:txBody>
+      </p:sp>
+      <p:sp>
+        <p:nvSpPr>
+          <p:cNvPr id="5" name="Rectangle 4"/>
+          <p:cNvSpPr/>
+          <p:nvPr/>
+        </p:nvSpPr>
+        <p:spPr>
+          <a:xfrm>
+            <a:off x="3718932" y="2006016"/>
+            <a:ext cx="1143000" cy="762000"/>
+          </a:xfrm>
+          <a:prstGeom prst="rect">
+            <a:avLst/>
+          </a:prstGeom>
+        </p:spPr>
+        <p:style>
+          <a:lnRef idx="2">
+            <a:schemeClr val="accent6">
+              <a:shade val="50000"/>
+            </a:schemeClr>
+          </a:lnRef>
+          <a:fillRef idx="1">
+            <a:schemeClr val="accent6"/>
+          </a:fillRef>
+          <a:effectRef idx="0">
+            <a:schemeClr val="accent6"/>
+          </a:effectRef>
+          <a:fontRef idx="minor">
+            <a:schemeClr val="lt1"/>
+          </a:fontRef>
+        </p:style>
+        <p:txBody>
+          <a:bodyPr rtlCol="0" anchor="ctr"/>
+          <a:lstStyle/>
+          <a:p>
+            <a:pPr algn="ctr"/>
+            <a:r>
+              <a:rPr lang="en-US" dirty="0" smtClean="0"/>
+              <a:t>Remove</a:t>
+            </a:r>
+            <a:endParaRPr lang="en-US" dirty="0"/>
+          </a:p>
+        </p:txBody>
+      </p:sp>
+      <p:sp>
+        <p:nvSpPr>
+          <p:cNvPr id="6" name="Rectangle 5"/>
+          <p:cNvSpPr/>
+          <p:nvPr/>
+        </p:nvSpPr>
+        <p:spPr>
+          <a:xfrm>
+            <a:off x="2326888" y="1039730"/>
+            <a:ext cx="1143000" cy="762000"/>
+          </a:xfrm>
+          <a:prstGeom prst="rect">
+            <a:avLst/>
+          </a:prstGeom>
+        </p:spPr>
+        <p:style>
+          <a:lnRef idx="2">
+            <a:schemeClr val="accent6">
+              <a:shade val="50000"/>
+            </a:schemeClr>
+          </a:lnRef>
+          <a:fillRef idx="1">
+            <a:schemeClr val="accent6"/>
+          </a:fillRef>
+          <a:effectRef idx="0">
+            <a:schemeClr val="accent6"/>
+          </a:effectRef>
+          <a:fontRef idx="minor">
+            <a:schemeClr val="lt1"/>
+          </a:fontRef>
+        </p:style>
+        <p:txBody>
+          <a:bodyPr rtlCol="0" anchor="ctr"/>
+          <a:lstStyle/>
+          <a:p>
+            <a:pPr algn="ctr"/>
+            <a:r>
+              <a:rPr lang="en-US" dirty="0" smtClean="0"/>
+              <a:t>Up</a:t>
+            </a:r>
+            <a:endParaRPr lang="en-US" dirty="0"/>
+          </a:p>
+        </p:txBody>
+      </p:sp>
+      <p:sp>
+        <p:nvSpPr>
+          <p:cNvPr id="7" name="Rectangle 6"/>
+          <p:cNvSpPr/>
+          <p:nvPr/>
+        </p:nvSpPr>
+        <p:spPr>
+          <a:xfrm>
+            <a:off x="2326888" y="2006016"/>
+            <a:ext cx="1143000" cy="762000"/>
+          </a:xfrm>
+          <a:prstGeom prst="rect">
+            <a:avLst/>
+          </a:prstGeom>
+        </p:spPr>
+        <p:style>
+          <a:lnRef idx="2">
+            <a:schemeClr val="accent6">
+              <a:shade val="50000"/>
+            </a:schemeClr>
+          </a:lnRef>
+          <a:fillRef idx="1">
+            <a:schemeClr val="accent6"/>
+          </a:fillRef>
+          <a:effectRef idx="0">
+            <a:schemeClr val="accent6"/>
+          </a:effectRef>
+          <a:fontRef idx="minor">
+            <a:schemeClr val="lt1"/>
+          </a:fontRef>
+        </p:style>
+        <p:txBody>
+          <a:bodyPr rtlCol="0" anchor="ctr"/>
+          <a:lstStyle/>
+          <a:p>
+            <a:pPr algn="ctr"/>
+            <a:r>
+              <a:rPr lang="en-US" dirty="0" smtClean="0"/>
+              <a:t>Down</a:t>
+            </a:r>
+            <a:endParaRPr lang="en-US" dirty="0"/>
+          </a:p>
+        </p:txBody>
+      </p:sp>
+      <p:sp>
+        <p:nvSpPr>
+          <p:cNvPr id="8" name="Rectangle 7"/>
+          <p:cNvSpPr/>
+          <p:nvPr/>
+        </p:nvSpPr>
+        <p:spPr>
+          <a:xfrm>
+            <a:off x="5090923" y="1039730"/>
+            <a:ext cx="2999484" cy="762000"/>
+          </a:xfrm>
+          <a:prstGeom prst="rect">
+            <a:avLst/>
+          </a:prstGeom>
+        </p:spPr>
+        <p:style>
+          <a:lnRef idx="2">
+            <a:schemeClr val="accent6">
+              <a:shade val="50000"/>
+            </a:schemeClr>
+          </a:lnRef>
+          <a:fillRef idx="1">
+            <a:schemeClr val="accent6"/>
+          </a:fillRef>
+          <a:effectRef idx="0">
+            <a:schemeClr val="accent6"/>
+          </a:effectRef>
+          <a:fontRef idx="minor">
+            <a:schemeClr val="lt1"/>
+          </a:fontRef>
+        </p:style>
+        <p:txBody>
+          <a:bodyPr rtlCol="0" anchor="ctr"/>
+          <a:lstStyle/>
+          <a:p>
+            <a:pPr algn="ctr"/>
+            <a:r>
+              <a:rPr lang="en-US" dirty="0" smtClean="0"/>
+              <a:t>Name</a:t>
+            </a:r>
+            <a:endParaRPr lang="en-US" dirty="0"/>
+          </a:p>
+        </p:txBody>
+      </p:sp>
+      <p:sp>
+        <p:nvSpPr>
+          <p:cNvPr id="9" name="Rectangle 8"/>
+          <p:cNvSpPr/>
+          <p:nvPr/>
+        </p:nvSpPr>
+        <p:spPr>
+          <a:xfrm>
+            <a:off x="5090922" y="2014037"/>
+            <a:ext cx="2999485" cy="762000"/>
+          </a:xfrm>
+          <a:prstGeom prst="rect">
+            <a:avLst/>
+          </a:prstGeom>
+        </p:spPr>
+        <p:style>
+          <a:lnRef idx="2">
+            <a:schemeClr val="accent6">
+              <a:shade val="50000"/>
+            </a:schemeClr>
+          </a:lnRef>
+          <a:fillRef idx="1">
+            <a:schemeClr val="accent6"/>
+          </a:fillRef>
+          <a:effectRef idx="0">
+            <a:schemeClr val="accent6"/>
+          </a:effectRef>
+          <a:fontRef idx="minor">
+            <a:schemeClr val="lt1"/>
+          </a:fontRef>
+        </p:style>
+        <p:txBody>
+          <a:bodyPr rtlCol="0" anchor="ctr"/>
+          <a:lstStyle/>
+          <a:p>
+            <a:pPr algn="ctr"/>
+            <a:r>
+              <a:rPr lang="en-US" dirty="0" smtClean="0"/>
+              <a:t>UUID</a:t>
+            </a:r>
+            <a:endParaRPr lang="en-US" dirty="0"/>
+          </a:p>
+        </p:txBody>
+      </p:sp>
+      <p:sp>
+        <p:nvSpPr>
+          <p:cNvPr id="10" name="Rectangle 9"/>
+          <p:cNvSpPr/>
+          <p:nvPr/>
+        </p:nvSpPr>
+        <p:spPr>
+          <a:xfrm>
+            <a:off x="934844" y="1039730"/>
+            <a:ext cx="1143000" cy="762000"/>
+          </a:xfrm>
+          <a:prstGeom prst="rect">
+            <a:avLst/>
+          </a:prstGeom>
+        </p:spPr>
+        <p:style>
+          <a:lnRef idx="2">
+            <a:schemeClr val="accent6">
+              <a:shade val="50000"/>
+            </a:schemeClr>
+          </a:lnRef>
+          <a:fillRef idx="1">
+            <a:schemeClr val="accent6"/>
+          </a:fillRef>
+          <a:effectRef idx="0">
+            <a:schemeClr val="accent6"/>
+          </a:effectRef>
+          <a:fontRef idx="minor">
+            <a:schemeClr val="lt1"/>
+          </a:fontRef>
+        </p:style>
+        <p:txBody>
+          <a:bodyPr rtlCol="0" anchor="ctr"/>
+          <a:lstStyle/>
+          <a:p>
+            <a:pPr algn="ctr"/>
+            <a:r>
+              <a:rPr lang="en-US" dirty="0" smtClean="0"/>
+              <a:t>Sequence</a:t>
+            </a:r>
+          </a:p>
+          <a:p>
+            <a:pPr algn="ctr"/>
+            <a:r>
+              <a:rPr lang="en-US" dirty="0" smtClean="0"/>
+              <a:t>Number</a:t>
+            </a:r>
+            <a:endParaRPr lang="en-US" dirty="0"/>
+          </a:p>
+        </p:txBody>
+      </p:sp>
+      <p:sp>
+        <p:nvSpPr>
+          <p:cNvPr id="13" name="Rectangle 12"/>
+          <p:cNvSpPr/>
+          <p:nvPr/>
+        </p:nvSpPr>
+        <p:spPr>
+          <a:xfrm>
+            <a:off x="381000" y="3581400"/>
+            <a:ext cx="8270488" cy="3064293"/>
+          </a:xfrm>
+          <a:prstGeom prst="rect">
+            <a:avLst/>
+          </a:prstGeom>
+        </p:spPr>
+        <p:style>
+          <a:lnRef idx="2">
+            <a:schemeClr val="accent3">
+              <a:shade val="50000"/>
+            </a:schemeClr>
+          </a:lnRef>
+          <a:fillRef idx="1">
+            <a:schemeClr val="accent3"/>
+          </a:fillRef>
+          <a:effectRef idx="0">
+            <a:schemeClr val="accent3"/>
+          </a:effectRef>
+          <a:fontRef idx="minor">
+            <a:schemeClr val="lt1"/>
+          </a:fontRef>
+        </p:style>
+        <p:txBody>
+          <a:bodyPr rtlCol="0" anchor="t"/>
+          <a:lstStyle/>
+          <a:p>
+            <a:pPr algn="ctr"/>
+            <a:r>
+              <a:rPr lang="en-US" smtClean="0"/>
+              <a:t>RFC </a:t>
+            </a:r>
+            <a:r>
+              <a:rPr lang="en-US" dirty="0" smtClean="0"/>
+              <a:t>Tiles</a:t>
+            </a:r>
+            <a:endParaRPr lang="en-US" dirty="0"/>
+          </a:p>
+        </p:txBody>
+      </p:sp>
+      <p:sp>
+        <p:nvSpPr>
+          <p:cNvPr id="14" name="Rectangle 13"/>
+          <p:cNvSpPr/>
+          <p:nvPr/>
+        </p:nvSpPr>
+        <p:spPr>
+          <a:xfrm>
+            <a:off x="622806" y="4054894"/>
+            <a:ext cx="7772400" cy="2319086"/>
+          </a:xfrm>
+          <a:prstGeom prst="rect">
+            <a:avLst/>
+          </a:prstGeom>
+        </p:spPr>
+        <p:style>
+          <a:lnRef idx="2">
+            <a:schemeClr val="accent1">
+              <a:shade val="50000"/>
+            </a:schemeClr>
+          </a:lnRef>
+          <a:fillRef idx="1">
+            <a:schemeClr val="accent1"/>
+          </a:fillRef>
+          <a:effectRef idx="0">
+            <a:schemeClr val="accent1"/>
+          </a:effectRef>
+          <a:fontRef idx="minor">
+            <a:schemeClr val="lt1"/>
+          </a:fontRef>
+        </p:style>
+        <p:txBody>
+          <a:bodyPr rtlCol="0" anchor="t"/>
+          <a:lstStyle/>
+          <a:p>
+            <a:pPr algn="ctr"/>
+            <a:endParaRPr lang="en-US" dirty="0"/>
+          </a:p>
+        </p:txBody>
+      </p:sp>
+      <p:sp>
+        <p:nvSpPr>
+          <p:cNvPr id="15" name="Rectangle 14"/>
+          <p:cNvSpPr/>
+          <p:nvPr/>
+        </p:nvSpPr>
+        <p:spPr>
+          <a:xfrm>
+            <a:off x="2321460" y="4280235"/>
+            <a:ext cx="1143000" cy="762000"/>
+          </a:xfrm>
+          <a:prstGeom prst="rect">
+            <a:avLst/>
+          </a:prstGeom>
+        </p:spPr>
+        <p:style>
+          <a:lnRef idx="2">
+            <a:schemeClr val="accent6">
+              <a:shade val="50000"/>
+            </a:schemeClr>
+          </a:lnRef>
+          <a:fillRef idx="1">
+            <a:schemeClr val="accent6"/>
+          </a:fillRef>
+          <a:effectRef idx="0">
+            <a:schemeClr val="accent6"/>
+          </a:effectRef>
+          <a:fontRef idx="minor">
+            <a:schemeClr val="lt1"/>
+          </a:fontRef>
+        </p:style>
+        <p:txBody>
+          <a:bodyPr rtlCol="0" anchor="ctr"/>
+          <a:lstStyle/>
+          <a:p>
+            <a:pPr algn="ctr"/>
+            <a:r>
+              <a:rPr lang="en-US" dirty="0" smtClean="0"/>
+              <a:t>Edit</a:t>
+            </a:r>
+            <a:endParaRPr lang="en-US" dirty="0"/>
+          </a:p>
+        </p:txBody>
+      </p:sp>
+      <p:sp>
+        <p:nvSpPr>
+          <p:cNvPr id="16" name="Rectangle 15"/>
+          <p:cNvSpPr/>
+          <p:nvPr/>
+        </p:nvSpPr>
+        <p:spPr>
+          <a:xfrm>
+            <a:off x="3723725" y="4280235"/>
+            <a:ext cx="1143000" cy="762000"/>
+          </a:xfrm>
+          <a:prstGeom prst="rect">
+            <a:avLst/>
+          </a:prstGeom>
+        </p:spPr>
+        <p:style>
+          <a:lnRef idx="2">
+            <a:schemeClr val="accent6">
+              <a:shade val="50000"/>
+            </a:schemeClr>
+          </a:lnRef>
+          <a:fillRef idx="1">
+            <a:schemeClr val="accent6"/>
+          </a:fillRef>
+          <a:effectRef idx="0">
+            <a:schemeClr val="accent6"/>
+          </a:effectRef>
+          <a:fontRef idx="minor">
+            <a:schemeClr val="lt1"/>
+          </a:fontRef>
+        </p:style>
+        <p:txBody>
+          <a:bodyPr rtlCol="0" anchor="ctr"/>
+          <a:lstStyle/>
+          <a:p>
+            <a:pPr algn="ctr"/>
+            <a:r>
+              <a:rPr lang="en-US" dirty="0" smtClean="0"/>
+              <a:t>Remove</a:t>
+            </a:r>
+            <a:endParaRPr lang="en-US" dirty="0"/>
+          </a:p>
+        </p:txBody>
+      </p:sp>
+      <p:sp>
+        <p:nvSpPr>
+          <p:cNvPr id="19" name="Rectangle 18"/>
+          <p:cNvSpPr/>
+          <p:nvPr/>
+        </p:nvSpPr>
+        <p:spPr>
+          <a:xfrm>
+            <a:off x="5090923" y="4316330"/>
+            <a:ext cx="2999484" cy="762000"/>
+          </a:xfrm>
+          <a:prstGeom prst="rect">
+            <a:avLst/>
+          </a:prstGeom>
+        </p:spPr>
+        <p:style>
+          <a:lnRef idx="2">
+            <a:schemeClr val="accent6">
+              <a:shade val="50000"/>
+            </a:schemeClr>
+          </a:lnRef>
+          <a:fillRef idx="1">
+            <a:schemeClr val="accent6"/>
+          </a:fillRef>
+          <a:effectRef idx="0">
+            <a:schemeClr val="accent6"/>
+          </a:effectRef>
+          <a:fontRef idx="minor">
+            <a:schemeClr val="lt1"/>
+          </a:fontRef>
+        </p:style>
+        <p:txBody>
+          <a:bodyPr rtlCol="0" anchor="ctr"/>
+          <a:lstStyle/>
+          <a:p>
+            <a:pPr algn="ctr"/>
+            <a:r>
+              <a:rPr lang="en-US" dirty="0" smtClean="0"/>
+              <a:t>Name</a:t>
+            </a:r>
+            <a:endParaRPr lang="en-US" dirty="0"/>
+          </a:p>
+        </p:txBody>
+      </p:sp>
+      <p:sp>
+        <p:nvSpPr>
+          <p:cNvPr id="20" name="Rectangle 19"/>
+          <p:cNvSpPr/>
+          <p:nvPr/>
+        </p:nvSpPr>
+        <p:spPr>
+          <a:xfrm>
+            <a:off x="5090922" y="5290637"/>
+            <a:ext cx="2999485" cy="762000"/>
+          </a:xfrm>
+          <a:prstGeom prst="rect">
+            <a:avLst/>
+          </a:prstGeom>
+        </p:spPr>
+        <p:style>
+          <a:lnRef idx="2">
+            <a:schemeClr val="accent6">
+              <a:shade val="50000"/>
+            </a:schemeClr>
+          </a:lnRef>
+          <a:fillRef idx="1">
+            <a:schemeClr val="accent6"/>
+          </a:fillRef>
+          <a:effectRef idx="0">
+            <a:schemeClr val="accent6"/>
+          </a:effectRef>
+          <a:fontRef idx="minor">
+            <a:schemeClr val="lt1"/>
+          </a:fontRef>
+        </p:style>
+        <p:txBody>
+          <a:bodyPr rtlCol="0" anchor="ctr"/>
+          <a:lstStyle/>
+          <a:p>
+            <a:pPr algn="ctr"/>
+            <a:r>
+              <a:rPr lang="en-US" dirty="0" smtClean="0"/>
+              <a:t>UUID</a:t>
+            </a:r>
+            <a:endParaRPr lang="en-US" dirty="0"/>
+          </a:p>
+        </p:txBody>
+      </p:sp>
+    </p:spTree>
+    <p:extLst>
+      <p:ext uri="{BB962C8B-B14F-4D97-AF65-F5344CB8AC3E}">
+        <p14:creationId xmlns:p14="http://schemas.microsoft.com/office/powerpoint/2010/main" val="902098349"/>
+      </p:ext>
+    </p:extLst>
+  </p:cSld>
+  <p:clrMapOvr>
+    <a:masterClrMapping/>
+  </p:clrMapOvr>
+  <p:timing>
+    <p:tnLst>
+      <p:par>
+        <p:cTn id="1" dur="indefinite" restart="never" nodeType="tmRoot"/>
+      </p:par>
+    </p:tnLst>
+  </p:timing>
 </p:sld>
 </file>
 
